--- a/Workshop/Presentasi/Secure Modem Development Plan.pptx
+++ b/Workshop/Presentasi/Secure Modem Development Plan.pptx
@@ -1638,7 +1638,7 @@
 <dgm:dataModel xmlns:dgm="http://schemas.openxmlformats.org/drawingml/2006/diagram" xmlns:a="http://schemas.openxmlformats.org/drawingml/2006/main">
   <dgm:ptLst>
     <dgm:pt modelId="{72DEA930-CF76-4AB9-8BBE-600AFAA1D51E}" type="doc">
-      <dgm:prSet loTypeId="urn:microsoft.com/office/officeart/2005/8/layout/process1" loCatId="process" qsTypeId="urn:microsoft.com/office/officeart/2005/8/quickstyle/simple2" qsCatId="simple" csTypeId="urn:microsoft.com/office/officeart/2005/8/colors/accent1_2" csCatId="accent1" phldr="1"/>
+      <dgm:prSet loTypeId="urn:microsoft.com/office/officeart/2005/8/layout/process1" loCatId="process" qsTypeId="urn:microsoft.com/office/officeart/2005/8/quickstyle/simple4" qsCatId="simple" csTypeId="urn:microsoft.com/office/officeart/2005/8/colors/accent1_2" csCatId="accent1" phldr="1"/>
       <dgm:spPr/>
     </dgm:pt>
     <dgm:pt modelId="{950E5740-CB79-4E76-A261-1DA29D1B4CA8}">
@@ -1885,7 +1885,7 @@
 <dgm:dataModel xmlns:dgm="http://schemas.openxmlformats.org/drawingml/2006/diagram" xmlns:a="http://schemas.openxmlformats.org/drawingml/2006/main">
   <dgm:ptLst>
     <dgm:pt modelId="{38886F5C-F1A1-4F03-89C1-2C92AE303363}" type="doc">
-      <dgm:prSet loTypeId="urn:microsoft.com/office/officeart/2005/8/layout/equation2" loCatId="process" qsTypeId="urn:microsoft.com/office/officeart/2005/8/quickstyle/simple1" qsCatId="simple" csTypeId="urn:microsoft.com/office/officeart/2005/8/colors/accent1_2" csCatId="accent1" phldr="1"/>
+      <dgm:prSet loTypeId="urn:microsoft.com/office/officeart/2005/8/layout/equation2" loCatId="process" qsTypeId="urn:microsoft.com/office/officeart/2005/8/quickstyle/simple2" qsCatId="simple" csTypeId="urn:microsoft.com/office/officeart/2005/8/colors/accent1_2" csCatId="accent1" phldr="1"/>
       <dgm:spPr/>
     </dgm:pt>
     <dgm:pt modelId="{4D68B881-BA46-4AF6-9E25-A9B59E113B16}">
@@ -1896,16 +1896,28 @@
         <a:lstStyle/>
         <a:p>
           <a:r>
-            <a:rPr lang="en-US" dirty="0" smtClean="0"/>
+            <a:rPr lang="en-US" dirty="0" smtClean="0">
+              <a:solidFill>
+                <a:schemeClr val="tx1"/>
+              </a:solidFill>
+            </a:rPr>
             <a:t>Develop hardware platform</a:t>
           </a:r>
         </a:p>
         <a:p>
           <a:r>
-            <a:rPr lang="en-US" u="sng" dirty="0" smtClean="0"/>
+            <a:rPr lang="en-US" u="sng" dirty="0" smtClean="0">
+              <a:solidFill>
+                <a:schemeClr val="tx1"/>
+              </a:solidFill>
+            </a:rPr>
             <a:t>4 months</a:t>
           </a:r>
-          <a:endParaRPr lang="en-US" u="sng" dirty="0"/>
+          <a:endParaRPr lang="en-US" u="sng" dirty="0">
+            <a:solidFill>
+              <a:schemeClr val="tx1"/>
+            </a:solidFill>
+          </a:endParaRPr>
         </a:p>
       </dgm:t>
     </dgm:pt>
@@ -1939,16 +1951,28 @@
         <a:lstStyle/>
         <a:p>
           <a:r>
-            <a:rPr lang="en-US" dirty="0" smtClean="0"/>
+            <a:rPr lang="en-US" dirty="0" smtClean="0">
+              <a:solidFill>
+                <a:schemeClr val="tx1"/>
+              </a:solidFill>
+            </a:rPr>
             <a:t>Implement software encryptor and modulator</a:t>
           </a:r>
         </a:p>
         <a:p>
           <a:r>
-            <a:rPr lang="en-US" u="sng" dirty="0" smtClean="0"/>
+            <a:rPr lang="en-US" u="sng" dirty="0" smtClean="0">
+              <a:solidFill>
+                <a:schemeClr val="tx1"/>
+              </a:solidFill>
+            </a:rPr>
             <a:t>3 months *</a:t>
           </a:r>
-          <a:endParaRPr lang="en-US" u="sng" dirty="0"/>
+          <a:endParaRPr lang="en-US" u="sng" dirty="0">
+            <a:solidFill>
+              <a:schemeClr val="tx1"/>
+            </a:solidFill>
+          </a:endParaRPr>
         </a:p>
       </dgm:t>
     </dgm:pt>
@@ -1982,16 +2006,28 @@
         <a:lstStyle/>
         <a:p>
           <a:r>
-            <a:rPr lang="en-US" dirty="0" smtClean="0"/>
+            <a:rPr lang="en-US" dirty="0" smtClean="0">
+              <a:solidFill>
+                <a:schemeClr val="tx1"/>
+              </a:solidFill>
+            </a:rPr>
             <a:t>Integrated System</a:t>
           </a:r>
         </a:p>
         <a:p>
           <a:r>
-            <a:rPr lang="en-US" u="sng" dirty="0" smtClean="0"/>
+            <a:rPr lang="en-US" u="sng" dirty="0" smtClean="0">
+              <a:solidFill>
+                <a:schemeClr val="tx1"/>
+              </a:solidFill>
+            </a:rPr>
             <a:t>2 months</a:t>
           </a:r>
-          <a:endParaRPr lang="en-US" u="sng" dirty="0"/>
+          <a:endParaRPr lang="en-US" u="sng" dirty="0">
+            <a:solidFill>
+              <a:schemeClr val="tx1"/>
+            </a:solidFill>
+          </a:endParaRPr>
         </a:p>
       </dgm:t>
     </dgm:pt>
@@ -2122,8 +2158,8 @@
     <dgm:cxn modelId="{40128DCF-4DDB-4752-A240-0DA81A1DA956}" type="presOf" srcId="{C8373C52-7ACE-45C8-862A-C592B39BD47F}" destId="{87B65E72-FB80-494F-9FF6-DF29A903CA5C}" srcOrd="0" destOrd="0" presId="urn:microsoft.com/office/officeart/2005/8/layout/equation2"/>
     <dgm:cxn modelId="{FFB14865-DAC4-40F1-B7FD-210A7053CEDD}" type="presOf" srcId="{060899D3-8BD1-4A1F-9FE3-4CFE87C418A5}" destId="{6BE3EB57-20E5-4AA5-9AD6-D93D64374D25}" srcOrd="0" destOrd="0" presId="urn:microsoft.com/office/officeart/2005/8/layout/equation2"/>
     <dgm:cxn modelId="{162535DE-6336-4647-A695-17CF6F66B116}" type="presOf" srcId="{38886F5C-F1A1-4F03-89C1-2C92AE303363}" destId="{D56263C1-A973-4C04-A31E-B39CC881320B}" srcOrd="0" destOrd="0" presId="urn:microsoft.com/office/officeart/2005/8/layout/equation2"/>
+    <dgm:cxn modelId="{846E624D-00F0-4380-824B-CAC526B6EB38}" type="presOf" srcId="{6512DD03-AA4E-4445-A508-EBB7F344570C}" destId="{AAB018AA-742F-4BAA-959A-114363094D25}" srcOrd="1" destOrd="0" presId="urn:microsoft.com/office/officeart/2005/8/layout/equation2"/>
     <dgm:cxn modelId="{20C1D001-1CD8-48D6-B4F9-92EA4D73579B}" type="presOf" srcId="{4D68B881-BA46-4AF6-9E25-A9B59E113B16}" destId="{FAA8746C-7D63-41D7-849D-FDF21B8AE1E8}" srcOrd="0" destOrd="0" presId="urn:microsoft.com/office/officeart/2005/8/layout/equation2"/>
-    <dgm:cxn modelId="{846E624D-00F0-4380-824B-CAC526B6EB38}" type="presOf" srcId="{6512DD03-AA4E-4445-A508-EBB7F344570C}" destId="{AAB018AA-742F-4BAA-959A-114363094D25}" srcOrd="1" destOrd="0" presId="urn:microsoft.com/office/officeart/2005/8/layout/equation2"/>
     <dgm:cxn modelId="{668BE1F0-4EEF-4C78-B4D1-FCE1990238B7}" srcId="{38886F5C-F1A1-4F03-89C1-2C92AE303363}" destId="{4D68B881-BA46-4AF6-9E25-A9B59E113B16}" srcOrd="0" destOrd="0" parTransId="{563B91CC-45B7-4434-8095-01AAA163F80A}" sibTransId="{DB3D4F72-C46A-47F9-9847-CE7CC34A3E8D}"/>
     <dgm:cxn modelId="{F239523A-7A75-473B-B08E-9B36DCD23927}" srcId="{38886F5C-F1A1-4F03-89C1-2C92AE303363}" destId="{C8373C52-7ACE-45C8-862A-C592B39BD47F}" srcOrd="1" destOrd="0" parTransId="{B606AF30-8DA1-49D8-89B7-42CD36B2F521}" sibTransId="{6512DD03-AA4E-4445-A508-EBB7F344570C}"/>
     <dgm:cxn modelId="{750F7752-37FF-4085-9E90-02EC9DD010AE}" type="presOf" srcId="{6512DD03-AA4E-4445-A508-EBB7F344570C}" destId="{522E2736-BC81-4B50-9671-801D321CC237}" srcOrd="0" destOrd="0" presId="urn:microsoft.com/office/officeart/2005/8/layout/equation2"/>
@@ -2171,41 +2207,60 @@
             <a:gd name="adj" fmla="val 10000"/>
           </a:avLst>
         </a:prstGeom>
-        <a:solidFill>
-          <a:schemeClr val="accent1">
-            <a:hueOff val="0"/>
-            <a:satOff val="0"/>
-            <a:lumOff val="0"/>
-            <a:alphaOff val="0"/>
-          </a:schemeClr>
-        </a:solidFill>
-        <a:ln w="38100" cap="flat" cmpd="sng" algn="ctr">
-          <a:solidFill>
-            <a:schemeClr val="lt1">
-              <a:hueOff val="0"/>
-              <a:satOff val="0"/>
-              <a:lumOff val="0"/>
-              <a:alphaOff val="0"/>
-            </a:schemeClr>
-          </a:solidFill>
-          <a:prstDash val="solid"/>
+        <a:gradFill rotWithShape="0">
+          <a:gsLst>
+            <a:gs pos="0">
+              <a:schemeClr val="accent1">
+                <a:hueOff val="0"/>
+                <a:satOff val="0"/>
+                <a:lumOff val="0"/>
+                <a:alphaOff val="0"/>
+                <a:shade val="51000"/>
+                <a:satMod val="130000"/>
+              </a:schemeClr>
+            </a:gs>
+            <a:gs pos="80000">
+              <a:schemeClr val="accent1">
+                <a:hueOff val="0"/>
+                <a:satOff val="0"/>
+                <a:lumOff val="0"/>
+                <a:alphaOff val="0"/>
+                <a:shade val="93000"/>
+                <a:satMod val="130000"/>
+              </a:schemeClr>
+            </a:gs>
+            <a:gs pos="100000">
+              <a:schemeClr val="accent1">
+                <a:hueOff val="0"/>
+                <a:satOff val="0"/>
+                <a:lumOff val="0"/>
+                <a:alphaOff val="0"/>
+                <a:shade val="94000"/>
+                <a:satMod val="135000"/>
+              </a:schemeClr>
+            </a:gs>
+          </a:gsLst>
+          <a:lin ang="16200000" scaled="0"/>
+        </a:gradFill>
+        <a:ln>
+          <a:noFill/>
         </a:ln>
         <a:effectLst>
-          <a:outerShdw blurRad="40000" dist="20000" dir="5400000" rotWithShape="0">
+          <a:outerShdw blurRad="40000" dist="23000" dir="5400000" rotWithShape="0">
             <a:srgbClr val="000000">
-              <a:alpha val="38000"/>
+              <a:alpha val="35000"/>
             </a:srgbClr>
           </a:outerShdw>
         </a:effectLst>
       </dsp:spPr>
       <dsp:style>
-        <a:lnRef idx="3">
+        <a:lnRef idx="0">
           <a:scrgbClr r="0" g="0" b="0"/>
         </a:lnRef>
-        <a:fillRef idx="1">
+        <a:fillRef idx="3">
           <a:scrgbClr r="0" g="0" b="0"/>
         </a:fillRef>
-        <a:effectRef idx="1">
+        <a:effectRef idx="2">
           <a:scrgbClr r="0" g="0" b="0"/>
         </a:effectRef>
         <a:fontRef idx="minor">
@@ -2257,22 +2312,51 @@
             <a:gd name="adj2" fmla="val 50000"/>
           </a:avLst>
         </a:prstGeom>
-        <a:solidFill>
-          <a:schemeClr val="accent1">
-            <a:tint val="60000"/>
-            <a:hueOff val="0"/>
-            <a:satOff val="0"/>
-            <a:lumOff val="0"/>
-            <a:alphaOff val="0"/>
-          </a:schemeClr>
-        </a:solidFill>
+        <a:gradFill rotWithShape="0">
+          <a:gsLst>
+            <a:gs pos="0">
+              <a:schemeClr val="accent1">
+                <a:tint val="60000"/>
+                <a:hueOff val="0"/>
+                <a:satOff val="0"/>
+                <a:lumOff val="0"/>
+                <a:alphaOff val="0"/>
+                <a:shade val="51000"/>
+                <a:satMod val="130000"/>
+              </a:schemeClr>
+            </a:gs>
+            <a:gs pos="80000">
+              <a:schemeClr val="accent1">
+                <a:tint val="60000"/>
+                <a:hueOff val="0"/>
+                <a:satOff val="0"/>
+                <a:lumOff val="0"/>
+                <a:alphaOff val="0"/>
+                <a:shade val="93000"/>
+                <a:satMod val="130000"/>
+              </a:schemeClr>
+            </a:gs>
+            <a:gs pos="100000">
+              <a:schemeClr val="accent1">
+                <a:tint val="60000"/>
+                <a:hueOff val="0"/>
+                <a:satOff val="0"/>
+                <a:lumOff val="0"/>
+                <a:alphaOff val="0"/>
+                <a:shade val="94000"/>
+                <a:satMod val="135000"/>
+              </a:schemeClr>
+            </a:gs>
+          </a:gsLst>
+          <a:lin ang="16200000" scaled="0"/>
+        </a:gradFill>
         <a:ln>
           <a:noFill/>
         </a:ln>
         <a:effectLst>
-          <a:outerShdw blurRad="40000" dist="20000" dir="5400000" rotWithShape="0">
+          <a:outerShdw blurRad="40000" dist="23000" dir="5400000" rotWithShape="0">
             <a:srgbClr val="000000">
-              <a:alpha val="38000"/>
+              <a:alpha val="35000"/>
             </a:srgbClr>
           </a:outerShdw>
         </a:effectLst>
@@ -2281,10 +2365,10 @@
         <a:lnRef idx="0">
           <a:scrgbClr r="0" g="0" b="0"/>
         </a:lnRef>
-        <a:fillRef idx="1">
+        <a:fillRef idx="3">
           <a:scrgbClr r="0" g="0" b="0"/>
         </a:fillRef>
-        <a:effectRef idx="1">
+        <a:effectRef idx="2">
           <a:scrgbClr r="0" g="0" b="0"/>
         </a:effectRef>
         <a:fontRef idx="minor">
@@ -2331,41 +2415,60 @@
             <a:gd name="adj" fmla="val 10000"/>
           </a:avLst>
         </a:prstGeom>
-        <a:solidFill>
-          <a:schemeClr val="accent1">
-            <a:hueOff val="0"/>
-            <a:satOff val="0"/>
-            <a:lumOff val="0"/>
-            <a:alphaOff val="0"/>
-          </a:schemeClr>
-        </a:solidFill>
-        <a:ln w="38100" cap="flat" cmpd="sng" algn="ctr">
-          <a:solidFill>
-            <a:schemeClr val="lt1">
-              <a:hueOff val="0"/>
-              <a:satOff val="0"/>
-              <a:lumOff val="0"/>
-              <a:alphaOff val="0"/>
-            </a:schemeClr>
-          </a:solidFill>
-          <a:prstDash val="solid"/>
+        <a:gradFill rotWithShape="0">
+          <a:gsLst>
+            <a:gs pos="0">
+              <a:schemeClr val="accent1">
+                <a:hueOff val="0"/>
+                <a:satOff val="0"/>
+                <a:lumOff val="0"/>
+                <a:alphaOff val="0"/>
+                <a:shade val="51000"/>
+                <a:satMod val="130000"/>
+              </a:schemeClr>
+            </a:gs>
+            <a:gs pos="80000">
+              <a:schemeClr val="accent1">
+                <a:hueOff val="0"/>
+                <a:satOff val="0"/>
+                <a:lumOff val="0"/>
+                <a:alphaOff val="0"/>
+                <a:shade val="93000"/>
+                <a:satMod val="130000"/>
+              </a:schemeClr>
+            </a:gs>
+            <a:gs pos="100000">
+              <a:schemeClr val="accent1">
+                <a:hueOff val="0"/>
+                <a:satOff val="0"/>
+                <a:lumOff val="0"/>
+                <a:alphaOff val="0"/>
+                <a:shade val="94000"/>
+                <a:satMod val="135000"/>
+              </a:schemeClr>
+            </a:gs>
+          </a:gsLst>
+          <a:lin ang="16200000" scaled="0"/>
+        </a:gradFill>
+        <a:ln>
+          <a:noFill/>
         </a:ln>
         <a:effectLst>
-          <a:outerShdw blurRad="40000" dist="20000" dir="5400000" rotWithShape="0">
+          <a:outerShdw blurRad="40000" dist="23000" dir="5400000" rotWithShape="0">
             <a:srgbClr val="000000">
-              <a:alpha val="38000"/>
+              <a:alpha val="35000"/>
             </a:srgbClr>
           </a:outerShdw>
         </a:effectLst>
       </dsp:spPr>
       <dsp:style>
-        <a:lnRef idx="3">
+        <a:lnRef idx="0">
           <a:scrgbClr r="0" g="0" b="0"/>
         </a:lnRef>
-        <a:fillRef idx="1">
+        <a:fillRef idx="3">
           <a:scrgbClr r="0" g="0" b="0"/>
         </a:fillRef>
-        <a:effectRef idx="1">
+        <a:effectRef idx="2">
           <a:scrgbClr r="0" g="0" b="0"/>
         </a:effectRef>
         <a:fontRef idx="minor">
@@ -2417,22 +2520,51 @@
             <a:gd name="adj2" fmla="val 50000"/>
           </a:avLst>
         </a:prstGeom>
-        <a:solidFill>
-          <a:schemeClr val="accent1">
-            <a:tint val="60000"/>
-            <a:hueOff val="0"/>
-            <a:satOff val="0"/>
-            <a:lumOff val="0"/>
-            <a:alphaOff val="0"/>
-          </a:schemeClr>
-        </a:solidFill>
+        <a:gradFill rotWithShape="0">
+          <a:gsLst>
+            <a:gs pos="0">
+              <a:schemeClr val="accent1">
+                <a:tint val="60000"/>
+                <a:hueOff val="0"/>
+                <a:satOff val="0"/>
+                <a:lumOff val="0"/>
+                <a:alphaOff val="0"/>
+                <a:shade val="51000"/>
+                <a:satMod val="130000"/>
+              </a:schemeClr>
+            </a:gs>
+            <a:gs pos="80000">
+              <a:schemeClr val="accent1">
+                <a:tint val="60000"/>
+                <a:hueOff val="0"/>
+                <a:satOff val="0"/>
+                <a:lumOff val="0"/>
+                <a:alphaOff val="0"/>
+                <a:shade val="93000"/>
+                <a:satMod val="130000"/>
+              </a:schemeClr>
+            </a:gs>
+            <a:gs pos="100000">
+              <a:schemeClr val="accent1">
+                <a:tint val="60000"/>
+                <a:hueOff val="0"/>
+                <a:satOff val="0"/>
+                <a:lumOff val="0"/>
+                <a:alphaOff val="0"/>
+                <a:shade val="94000"/>
+                <a:satMod val="135000"/>
+              </a:schemeClr>
+            </a:gs>
+          </a:gsLst>
+          <a:lin ang="16200000" scaled="0"/>
+        </a:gradFill>
         <a:ln>
           <a:noFill/>
         </a:ln>
         <a:effectLst>
-          <a:outerShdw blurRad="40000" dist="20000" dir="5400000" rotWithShape="0">
+          <a:outerShdw blurRad="40000" dist="23000" dir="5400000" rotWithShape="0">
             <a:srgbClr val="000000">
-              <a:alpha val="38000"/>
+              <a:alpha val="35000"/>
             </a:srgbClr>
           </a:outerShdw>
         </a:effectLst>
@@ -2441,10 +2573,10 @@
         <a:lnRef idx="0">
           <a:scrgbClr r="0" g="0" b="0"/>
         </a:lnRef>
-        <a:fillRef idx="1">
+        <a:fillRef idx="3">
           <a:scrgbClr r="0" g="0" b="0"/>
         </a:fillRef>
-        <a:effectRef idx="1">
+        <a:effectRef idx="2">
           <a:scrgbClr r="0" g="0" b="0"/>
         </a:effectRef>
         <a:fontRef idx="minor">
@@ -2491,41 +2623,60 @@
             <a:gd name="adj" fmla="val 10000"/>
           </a:avLst>
         </a:prstGeom>
-        <a:solidFill>
-          <a:schemeClr val="accent1">
-            <a:hueOff val="0"/>
-            <a:satOff val="0"/>
-            <a:lumOff val="0"/>
-            <a:alphaOff val="0"/>
-          </a:schemeClr>
-        </a:solidFill>
-        <a:ln w="38100" cap="flat" cmpd="sng" algn="ctr">
-          <a:solidFill>
-            <a:schemeClr val="lt1">
-              <a:hueOff val="0"/>
-              <a:satOff val="0"/>
-              <a:lumOff val="0"/>
-              <a:alphaOff val="0"/>
-            </a:schemeClr>
-          </a:solidFill>
-          <a:prstDash val="solid"/>
+        <a:gradFill rotWithShape="0">
+          <a:gsLst>
+            <a:gs pos="0">
+              <a:schemeClr val="accent1">
+                <a:hueOff val="0"/>
+                <a:satOff val="0"/>
+                <a:lumOff val="0"/>
+                <a:alphaOff val="0"/>
+                <a:shade val="51000"/>
+                <a:satMod val="130000"/>
+              </a:schemeClr>
+            </a:gs>
+            <a:gs pos="80000">
+              <a:schemeClr val="accent1">
+                <a:hueOff val="0"/>
+                <a:satOff val="0"/>
+                <a:lumOff val="0"/>
+                <a:alphaOff val="0"/>
+                <a:shade val="93000"/>
+                <a:satMod val="130000"/>
+              </a:schemeClr>
+            </a:gs>
+            <a:gs pos="100000">
+              <a:schemeClr val="accent1">
+                <a:hueOff val="0"/>
+                <a:satOff val="0"/>
+                <a:lumOff val="0"/>
+                <a:alphaOff val="0"/>
+                <a:shade val="94000"/>
+                <a:satMod val="135000"/>
+              </a:schemeClr>
+            </a:gs>
+          </a:gsLst>
+          <a:lin ang="16200000" scaled="0"/>
+        </a:gradFill>
+        <a:ln>
+          <a:noFill/>
         </a:ln>
         <a:effectLst>
-          <a:outerShdw blurRad="40000" dist="20000" dir="5400000" rotWithShape="0">
+          <a:outerShdw blurRad="40000" dist="23000" dir="5400000" rotWithShape="0">
             <a:srgbClr val="000000">
-              <a:alpha val="38000"/>
+              <a:alpha val="35000"/>
             </a:srgbClr>
           </a:outerShdw>
         </a:effectLst>
       </dsp:spPr>
       <dsp:style>
-        <a:lnRef idx="3">
+        <a:lnRef idx="0">
           <a:scrgbClr r="0" g="0" b="0"/>
         </a:lnRef>
-        <a:fillRef idx="1">
+        <a:fillRef idx="3">
           <a:scrgbClr r="0" g="0" b="0"/>
         </a:fillRef>
-        <a:effectRef idx="1">
+        <a:effectRef idx="2">
           <a:scrgbClr r="0" g="0" b="0"/>
         </a:effectRef>
         <a:fontRef idx="minor">
@@ -2594,7 +2745,7 @@
             <a:alphaOff val="0"/>
           </a:schemeClr>
         </a:solidFill>
-        <a:ln w="25400" cap="flat" cmpd="sng" algn="ctr">
+        <a:ln w="38100" cap="flat" cmpd="sng" algn="ctr">
           <a:solidFill>
             <a:schemeClr val="lt1">
               <a:hueOff val="0"/>
@@ -2605,16 +2756,22 @@
           </a:solidFill>
           <a:prstDash val="solid"/>
         </a:ln>
-        <a:effectLst/>
+        <a:effectLst>
+          <a:outerShdw blurRad="40000" dist="20000" dir="5400000" rotWithShape="0">
+            <a:srgbClr val="000000">
+              <a:alpha val="38000"/>
+            </a:srgbClr>
+          </a:outerShdw>
+        </a:effectLst>
       </dsp:spPr>
       <dsp:style>
-        <a:lnRef idx="2">
+        <a:lnRef idx="3">
           <a:scrgbClr r="0" g="0" b="0"/>
         </a:lnRef>
         <a:fillRef idx="1">
           <a:scrgbClr r="0" g="0" b="0"/>
         </a:fillRef>
-        <a:effectRef idx="0">
+        <a:effectRef idx="1">
           <a:scrgbClr r="0" g="0" b="0"/>
         </a:effectRef>
         <a:fontRef idx="minor">
@@ -2639,7 +2796,11 @@
             </a:spcAft>
           </a:pPr>
           <a:r>
-            <a:rPr lang="en-US" sz="1500" kern="1200" dirty="0" smtClean="0"/>
+            <a:rPr lang="en-US" sz="1500" kern="1200" dirty="0" smtClean="0">
+              <a:solidFill>
+                <a:schemeClr val="tx1"/>
+              </a:solidFill>
+            </a:rPr>
             <a:t>Develop hardware platform</a:t>
           </a:r>
         </a:p>
@@ -2656,10 +2817,18 @@
             </a:spcAft>
           </a:pPr>
           <a:r>
-            <a:rPr lang="en-US" sz="1500" u="sng" kern="1200" dirty="0" smtClean="0"/>
+            <a:rPr lang="en-US" sz="1500" u="sng" kern="1200" dirty="0" smtClean="0">
+              <a:solidFill>
+                <a:schemeClr val="tx1"/>
+              </a:solidFill>
+            </a:rPr>
             <a:t>4 months</a:t>
           </a:r>
-          <a:endParaRPr lang="en-US" sz="1500" u="sng" kern="1200" dirty="0"/>
+          <a:endParaRPr lang="en-US" sz="1500" u="sng" kern="1200" dirty="0">
+            <a:solidFill>
+              <a:schemeClr val="tx1"/>
+            </a:solidFill>
+          </a:endParaRPr>
         </a:p>
       </dsp:txBody>
       <dsp:txXfrm>
@@ -2692,7 +2861,13 @@
         <a:ln>
           <a:noFill/>
         </a:ln>
-        <a:effectLst/>
+        <a:effectLst>
+          <a:outerShdw blurRad="40000" dist="20000" dir="5400000" rotWithShape="0">
+            <a:srgbClr val="000000">
+              <a:alpha val="38000"/>
+            </a:srgbClr>
+          </a:outerShdw>
+        </a:effectLst>
       </dsp:spPr>
       <dsp:style>
         <a:lnRef idx="0">
@@ -2701,7 +2876,7 @@
         <a:fillRef idx="1">
           <a:scrgbClr r="0" g="0" b="0"/>
         </a:fillRef>
-        <a:effectRef idx="0">
+        <a:effectRef idx="1">
           <a:scrgbClr r="0" g="0" b="0"/>
         </a:effectRef>
         <a:fontRef idx="minor">
@@ -2754,7 +2929,7 @@
             <a:alphaOff val="0"/>
           </a:schemeClr>
         </a:solidFill>
-        <a:ln w="25400" cap="flat" cmpd="sng" algn="ctr">
+        <a:ln w="38100" cap="flat" cmpd="sng" algn="ctr">
           <a:solidFill>
             <a:schemeClr val="lt1">
               <a:hueOff val="0"/>
@@ -2765,16 +2940,22 @@
           </a:solidFill>
           <a:prstDash val="solid"/>
         </a:ln>
-        <a:effectLst/>
+        <a:effectLst>
+          <a:outerShdw blurRad="40000" dist="20000" dir="5400000" rotWithShape="0">
+            <a:srgbClr val="000000">
+              <a:alpha val="38000"/>
+            </a:srgbClr>
+          </a:outerShdw>
+        </a:effectLst>
       </dsp:spPr>
       <dsp:style>
-        <a:lnRef idx="2">
+        <a:lnRef idx="3">
           <a:scrgbClr r="0" g="0" b="0"/>
         </a:lnRef>
         <a:fillRef idx="1">
           <a:scrgbClr r="0" g="0" b="0"/>
         </a:fillRef>
-        <a:effectRef idx="0">
+        <a:effectRef idx="1">
           <a:scrgbClr r="0" g="0" b="0"/>
         </a:effectRef>
         <a:fontRef idx="minor">
@@ -2799,7 +2980,11 @@
             </a:spcAft>
           </a:pPr>
           <a:r>
-            <a:rPr lang="en-US" sz="1500" kern="1200" dirty="0" smtClean="0"/>
+            <a:rPr lang="en-US" sz="1500" kern="1200" dirty="0" smtClean="0">
+              <a:solidFill>
+                <a:schemeClr val="tx1"/>
+              </a:solidFill>
+            </a:rPr>
             <a:t>Implement software encryptor and modulator</a:t>
           </a:r>
         </a:p>
@@ -2816,10 +3001,18 @@
             </a:spcAft>
           </a:pPr>
           <a:r>
-            <a:rPr lang="en-US" sz="1500" u="sng" kern="1200" dirty="0" smtClean="0"/>
+            <a:rPr lang="en-US" sz="1500" u="sng" kern="1200" dirty="0" smtClean="0">
+              <a:solidFill>
+                <a:schemeClr val="tx1"/>
+              </a:solidFill>
+            </a:rPr>
             <a:t>3 months *</a:t>
           </a:r>
-          <a:endParaRPr lang="en-US" sz="1500" u="sng" kern="1200" dirty="0"/>
+          <a:endParaRPr lang="en-US" sz="1500" u="sng" kern="1200" dirty="0">
+            <a:solidFill>
+              <a:schemeClr val="tx1"/>
+            </a:solidFill>
+          </a:endParaRPr>
         </a:p>
       </dsp:txBody>
       <dsp:txXfrm>
@@ -2855,7 +3048,13 @@
         <a:ln>
           <a:noFill/>
         </a:ln>
-        <a:effectLst/>
+        <a:effectLst>
+          <a:outerShdw blurRad="40000" dist="20000" dir="5400000" rotWithShape="0">
+            <a:srgbClr val="000000">
+              <a:alpha val="38000"/>
+            </a:srgbClr>
+          </a:outerShdw>
+        </a:effectLst>
       </dsp:spPr>
       <dsp:style>
         <a:lnRef idx="0">
@@ -2864,7 +3063,7 @@
         <a:fillRef idx="1">
           <a:scrgbClr r="0" g="0" b="0"/>
         </a:fillRef>
-        <a:effectRef idx="0">
+        <a:effectRef idx="1">
           <a:scrgbClr r="0" g="0" b="0"/>
         </a:effectRef>
         <a:fontRef idx="minor">
@@ -2917,7 +3116,7 @@
             <a:alphaOff val="0"/>
           </a:schemeClr>
         </a:solidFill>
-        <a:ln w="25400" cap="flat" cmpd="sng" algn="ctr">
+        <a:ln w="38100" cap="flat" cmpd="sng" algn="ctr">
           <a:solidFill>
             <a:schemeClr val="lt1">
               <a:hueOff val="0"/>
@@ -2928,16 +3127,22 @@
           </a:solidFill>
           <a:prstDash val="solid"/>
         </a:ln>
-        <a:effectLst/>
+        <a:effectLst>
+          <a:outerShdw blurRad="40000" dist="20000" dir="5400000" rotWithShape="0">
+            <a:srgbClr val="000000">
+              <a:alpha val="38000"/>
+            </a:srgbClr>
+          </a:outerShdw>
+        </a:effectLst>
       </dsp:spPr>
       <dsp:style>
-        <a:lnRef idx="2">
+        <a:lnRef idx="3">
           <a:scrgbClr r="0" g="0" b="0"/>
         </a:lnRef>
         <a:fillRef idx="1">
           <a:scrgbClr r="0" g="0" b="0"/>
         </a:fillRef>
-        <a:effectRef idx="0">
+        <a:effectRef idx="1">
           <a:scrgbClr r="0" g="0" b="0"/>
         </a:effectRef>
         <a:fontRef idx="minor">
@@ -2962,7 +3167,11 @@
             </a:spcAft>
           </a:pPr>
           <a:r>
-            <a:rPr lang="en-US" sz="4000" kern="1200" dirty="0" smtClean="0"/>
+            <a:rPr lang="en-US" sz="4000" kern="1200" dirty="0" smtClean="0">
+              <a:solidFill>
+                <a:schemeClr val="tx1"/>
+              </a:solidFill>
+            </a:rPr>
             <a:t>Integrated System</a:t>
           </a:r>
         </a:p>
@@ -2979,10 +3188,18 @@
             </a:spcAft>
           </a:pPr>
           <a:r>
-            <a:rPr lang="en-US" sz="4000" u="sng" kern="1200" dirty="0" smtClean="0"/>
+            <a:rPr lang="en-US" sz="4000" u="sng" kern="1200" dirty="0" smtClean="0">
+              <a:solidFill>
+                <a:schemeClr val="tx1"/>
+              </a:solidFill>
+            </a:rPr>
             <a:t>2 months</a:t>
           </a:r>
-          <a:endParaRPr lang="en-US" sz="4000" u="sng" kern="1200" dirty="0"/>
+          <a:endParaRPr lang="en-US" sz="4000" u="sng" kern="1200" dirty="0">
+            <a:solidFill>
+              <a:schemeClr val="tx1"/>
+            </a:solidFill>
+          </a:endParaRPr>
         </a:p>
       </dsp:txBody>
       <dsp:txXfrm>
@@ -3406,6 +3623,1040 @@
 </file>
 
 <file path=ppt/diagrams/quickStyle1.xml><?xml version="1.0" encoding="utf-8"?>
+<dgm:styleDef xmlns:dgm="http://schemas.openxmlformats.org/drawingml/2006/diagram" xmlns:a="http://schemas.openxmlformats.org/drawingml/2006/main" uniqueId="urn:microsoft.com/office/officeart/2005/8/quickstyle/simple4">
+  <dgm:title val=""/>
+  <dgm:desc val=""/>
+  <dgm:catLst>
+    <dgm:cat type="simple" pri="10400"/>
+  </dgm:catLst>
+  <dgm:scene3d>
+    <a:camera prst="orthographicFront"/>
+    <a:lightRig rig="threePt" dir="t"/>
+  </dgm:scene3d>
+  <dgm:styleLbl name="node0">
+    <dgm:scene3d>
+      <a:camera prst="orthographicFront"/>
+      <a:lightRig rig="threePt" dir="t"/>
+    </dgm:scene3d>
+    <dgm:sp3d/>
+    <dgm:txPr/>
+    <dgm:style>
+      <a:lnRef idx="0">
+        <a:scrgbClr r="0" g="0" b="0"/>
+      </a:lnRef>
+      <a:fillRef idx="3">
+        <a:scrgbClr r="0" g="0" b="0"/>
+      </a:fillRef>
+      <a:effectRef idx="2">
+        <a:scrgbClr r="0" g="0" b="0"/>
+      </a:effectRef>
+      <a:fontRef idx="minor">
+        <a:schemeClr val="lt1"/>
+      </a:fontRef>
+    </dgm:style>
+  </dgm:styleLbl>
+  <dgm:styleLbl name="lnNode1">
+    <dgm:scene3d>
+      <a:camera prst="orthographicFront"/>
+      <a:lightRig rig="threePt" dir="t"/>
+    </dgm:scene3d>
+    <dgm:sp3d/>
+    <dgm:txPr/>
+    <dgm:style>
+      <a:lnRef idx="1">
+        <a:scrgbClr r="0" g="0" b="0"/>
+      </a:lnRef>
+      <a:fillRef idx="3">
+        <a:scrgbClr r="0" g="0" b="0"/>
+      </a:fillRef>
+      <a:effectRef idx="2">
+        <a:scrgbClr r="0" g="0" b="0"/>
+      </a:effectRef>
+      <a:fontRef idx="minor">
+        <a:schemeClr val="lt1"/>
+      </a:fontRef>
+    </dgm:style>
+  </dgm:styleLbl>
+  <dgm:styleLbl name="vennNode1">
+    <dgm:scene3d>
+      <a:camera prst="orthographicFront"/>
+      <a:lightRig rig="threePt" dir="t"/>
+    </dgm:scene3d>
+    <dgm:sp3d/>
+    <dgm:txPr/>
+    <dgm:style>
+      <a:lnRef idx="0">
+        <a:scrgbClr r="0" g="0" b="0"/>
+      </a:lnRef>
+      <a:fillRef idx="3">
+        <a:scrgbClr r="0" g="0" b="0"/>
+      </a:fillRef>
+      <a:effectRef idx="0">
+        <a:scrgbClr r="0" g="0" b="0"/>
+      </a:effectRef>
+      <a:fontRef idx="minor">
+        <a:schemeClr val="tx1"/>
+      </a:fontRef>
+    </dgm:style>
+  </dgm:styleLbl>
+  <dgm:styleLbl name="alignNode1">
+    <dgm:scene3d>
+      <a:camera prst="orthographicFront"/>
+      <a:lightRig rig="threePt" dir="t"/>
+    </dgm:scene3d>
+    <dgm:sp3d/>
+    <dgm:txPr/>
+    <dgm:style>
+      <a:lnRef idx="1">
+        <a:scrgbClr r="0" g="0" b="0"/>
+      </a:lnRef>
+      <a:fillRef idx="3">
+        <a:scrgbClr r="0" g="0" b="0"/>
+      </a:fillRef>
+      <a:effectRef idx="2">
+        <a:scrgbClr r="0" g="0" b="0"/>
+      </a:effectRef>
+      <a:fontRef idx="minor">
+        <a:schemeClr val="lt1"/>
+      </a:fontRef>
+    </dgm:style>
+  </dgm:styleLbl>
+  <dgm:styleLbl name="node1">
+    <dgm:scene3d>
+      <a:camera prst="orthographicFront"/>
+      <a:lightRig rig="threePt" dir="t"/>
+    </dgm:scene3d>
+    <dgm:sp3d/>
+    <dgm:txPr/>
+    <dgm:style>
+      <a:lnRef idx="0">
+        <a:scrgbClr r="0" g="0" b="0"/>
+      </a:lnRef>
+      <a:fillRef idx="3">
+        <a:scrgbClr r="0" g="0" b="0"/>
+      </a:fillRef>
+      <a:effectRef idx="2">
+        <a:scrgbClr r="0" g="0" b="0"/>
+      </a:effectRef>
+      <a:fontRef idx="minor">
+        <a:schemeClr val="lt1"/>
+      </a:fontRef>
+    </dgm:style>
+  </dgm:styleLbl>
+  <dgm:styleLbl name="node2">
+    <dgm:scene3d>
+      <a:camera prst="orthographicFront"/>
+      <a:lightRig rig="threePt" dir="t"/>
+    </dgm:scene3d>
+    <dgm:sp3d/>
+    <dgm:txPr/>
+    <dgm:style>
+      <a:lnRef idx="0">
+        <a:scrgbClr r="0" g="0" b="0"/>
+      </a:lnRef>
+      <a:fillRef idx="3">
+        <a:scrgbClr r="0" g="0" b="0"/>
+      </a:fillRef>
+      <a:effectRef idx="2">
+        <a:scrgbClr r="0" g="0" b="0"/>
+      </a:effectRef>
+      <a:fontRef idx="minor">
+        <a:schemeClr val="lt1"/>
+      </a:fontRef>
+    </dgm:style>
+  </dgm:styleLbl>
+  <dgm:styleLbl name="node3">
+    <dgm:scene3d>
+      <a:camera prst="orthographicFront"/>
+      <a:lightRig rig="threePt" dir="t"/>
+    </dgm:scene3d>
+    <dgm:sp3d/>
+    <dgm:txPr/>
+    <dgm:style>
+      <a:lnRef idx="0">
+        <a:scrgbClr r="0" g="0" b="0"/>
+      </a:lnRef>
+      <a:fillRef idx="3">
+        <a:scrgbClr r="0" g="0" b="0"/>
+      </a:fillRef>
+      <a:effectRef idx="2">
+        <a:scrgbClr r="0" g="0" b="0"/>
+      </a:effectRef>
+      <a:fontRef idx="minor">
+        <a:schemeClr val="lt1"/>
+      </a:fontRef>
+    </dgm:style>
+  </dgm:styleLbl>
+  <dgm:styleLbl name="node4">
+    <dgm:scene3d>
+      <a:camera prst="orthographicFront"/>
+      <a:lightRig rig="threePt" dir="t"/>
+    </dgm:scene3d>
+    <dgm:sp3d/>
+    <dgm:txPr/>
+    <dgm:style>
+      <a:lnRef idx="0">
+        <a:scrgbClr r="0" g="0" b="0"/>
+      </a:lnRef>
+      <a:fillRef idx="3">
+        <a:scrgbClr r="0" g="0" b="0"/>
+      </a:fillRef>
+      <a:effectRef idx="2">
+        <a:scrgbClr r="0" g="0" b="0"/>
+      </a:effectRef>
+      <a:fontRef idx="minor">
+        <a:schemeClr val="lt1"/>
+      </a:fontRef>
+    </dgm:style>
+  </dgm:styleLbl>
+  <dgm:styleLbl name="fgImgPlace1">
+    <dgm:scene3d>
+      <a:camera prst="orthographicFront"/>
+      <a:lightRig rig="threePt" dir="t"/>
+    </dgm:scene3d>
+    <dgm:sp3d/>
+    <dgm:txPr/>
+    <dgm:style>
+      <a:lnRef idx="0">
+        <a:scrgbClr r="0" g="0" b="0"/>
+      </a:lnRef>
+      <a:fillRef idx="1">
+        <a:scrgbClr r="0" g="0" b="0"/>
+      </a:fillRef>
+      <a:effectRef idx="2">
+        <a:scrgbClr r="0" g="0" b="0"/>
+      </a:effectRef>
+      <a:fontRef idx="minor"/>
+    </dgm:style>
+  </dgm:styleLbl>
+  <dgm:styleLbl name="alignImgPlace1">
+    <dgm:scene3d>
+      <a:camera prst="orthographicFront"/>
+      <a:lightRig rig="threePt" dir="t"/>
+    </dgm:scene3d>
+    <dgm:sp3d/>
+    <dgm:txPr/>
+    <dgm:style>
+      <a:lnRef idx="0">
+        <a:scrgbClr r="0" g="0" b="0"/>
+      </a:lnRef>
+      <a:fillRef idx="1">
+        <a:scrgbClr r="0" g="0" b="0"/>
+      </a:fillRef>
+      <a:effectRef idx="2">
+        <a:scrgbClr r="0" g="0" b="0"/>
+      </a:effectRef>
+      <a:fontRef idx="minor"/>
+    </dgm:style>
+  </dgm:styleLbl>
+  <dgm:styleLbl name="bgImgPlace1">
+    <dgm:scene3d>
+      <a:camera prst="orthographicFront"/>
+      <a:lightRig rig="threePt" dir="t"/>
+    </dgm:scene3d>
+    <dgm:sp3d/>
+    <dgm:txPr/>
+    <dgm:style>
+      <a:lnRef idx="0">
+        <a:scrgbClr r="0" g="0" b="0"/>
+      </a:lnRef>
+      <a:fillRef idx="1">
+        <a:scrgbClr r="0" g="0" b="0"/>
+      </a:fillRef>
+      <a:effectRef idx="2">
+        <a:scrgbClr r="0" g="0" b="0"/>
+      </a:effectRef>
+      <a:fontRef idx="minor"/>
+    </dgm:style>
+  </dgm:styleLbl>
+  <dgm:styleLbl name="sibTrans2D1">
+    <dgm:scene3d>
+      <a:camera prst="orthographicFront"/>
+      <a:lightRig rig="threePt" dir="t"/>
+    </dgm:scene3d>
+    <dgm:sp3d/>
+    <dgm:txPr/>
+    <dgm:style>
+      <a:lnRef idx="0">
+        <a:scrgbClr r="0" g="0" b="0"/>
+      </a:lnRef>
+      <a:fillRef idx="3">
+        <a:scrgbClr r="0" g="0" b="0"/>
+      </a:fillRef>
+      <a:effectRef idx="2">
+        <a:scrgbClr r="0" g="0" b="0"/>
+      </a:effectRef>
+      <a:fontRef idx="minor">
+        <a:schemeClr val="lt1"/>
+      </a:fontRef>
+    </dgm:style>
+  </dgm:styleLbl>
+  <dgm:styleLbl name="fgSibTrans2D1">
+    <dgm:scene3d>
+      <a:camera prst="orthographicFront"/>
+      <a:lightRig rig="threePt" dir="t"/>
+    </dgm:scene3d>
+    <dgm:sp3d/>
+    <dgm:txPr/>
+    <dgm:style>
+      <a:lnRef idx="0">
+        <a:scrgbClr r="0" g="0" b="0"/>
+      </a:lnRef>
+      <a:fillRef idx="3">
+        <a:scrgbClr r="0" g="0" b="0"/>
+      </a:fillRef>
+      <a:effectRef idx="2">
+        <a:scrgbClr r="0" g="0" b="0"/>
+      </a:effectRef>
+      <a:fontRef idx="minor">
+        <a:schemeClr val="lt1"/>
+      </a:fontRef>
+    </dgm:style>
+  </dgm:styleLbl>
+  <dgm:styleLbl name="bgSibTrans2D1">
+    <dgm:scene3d>
+      <a:camera prst="orthographicFront"/>
+      <a:lightRig rig="threePt" dir="t"/>
+    </dgm:scene3d>
+    <dgm:sp3d/>
+    <dgm:txPr/>
+    <dgm:style>
+      <a:lnRef idx="0">
+        <a:scrgbClr r="0" g="0" b="0"/>
+      </a:lnRef>
+      <a:fillRef idx="3">
+        <a:scrgbClr r="0" g="0" b="0"/>
+      </a:fillRef>
+      <a:effectRef idx="2">
+        <a:scrgbClr r="0" g="0" b="0"/>
+      </a:effectRef>
+      <a:fontRef idx="minor">
+        <a:schemeClr val="lt1"/>
+      </a:fontRef>
+    </dgm:style>
+  </dgm:styleLbl>
+  <dgm:styleLbl name="sibTrans1D1">
+    <dgm:scene3d>
+      <a:camera prst="orthographicFront"/>
+      <a:lightRig rig="threePt" dir="t"/>
+    </dgm:scene3d>
+    <dgm:sp3d/>
+    <dgm:txPr/>
+    <dgm:style>
+      <a:lnRef idx="1">
+        <a:scrgbClr r="0" g="0" b="0"/>
+      </a:lnRef>
+      <a:fillRef idx="0">
+        <a:scrgbClr r="0" g="0" b="0"/>
+      </a:fillRef>
+      <a:effectRef idx="0">
+        <a:scrgbClr r="0" g="0" b="0"/>
+      </a:effectRef>
+      <a:fontRef idx="minor"/>
+    </dgm:style>
+  </dgm:styleLbl>
+  <dgm:styleLbl name="callout">
+    <dgm:scene3d>
+      <a:camera prst="orthographicFront"/>
+      <a:lightRig rig="threePt" dir="t"/>
+    </dgm:scene3d>
+    <dgm:sp3d/>
+    <dgm:txPr/>
+    <dgm:style>
+      <a:lnRef idx="2">
+        <a:scrgbClr r="0" g="0" b="0"/>
+      </a:lnRef>
+      <a:fillRef idx="1">
+        <a:scrgbClr r="0" g="0" b="0"/>
+      </a:fillRef>
+      <a:effectRef idx="1">
+        <a:scrgbClr r="0" g="0" b="0"/>
+      </a:effectRef>
+      <a:fontRef idx="minor"/>
+    </dgm:style>
+  </dgm:styleLbl>
+  <dgm:styleLbl name="asst0">
+    <dgm:scene3d>
+      <a:camera prst="orthographicFront"/>
+      <a:lightRig rig="threePt" dir="t"/>
+    </dgm:scene3d>
+    <dgm:sp3d/>
+    <dgm:txPr/>
+    <dgm:style>
+      <a:lnRef idx="0">
+        <a:scrgbClr r="0" g="0" b="0"/>
+      </a:lnRef>
+      <a:fillRef idx="3">
+        <a:scrgbClr r="0" g="0" b="0"/>
+      </a:fillRef>
+      <a:effectRef idx="2">
+        <a:scrgbClr r="0" g="0" b="0"/>
+      </a:effectRef>
+      <a:fontRef idx="minor">
+        <a:schemeClr val="lt1"/>
+      </a:fontRef>
+    </dgm:style>
+  </dgm:styleLbl>
+  <dgm:styleLbl name="asst1">
+    <dgm:scene3d>
+      <a:camera prst="orthographicFront"/>
+      <a:lightRig rig="threePt" dir="t"/>
+    </dgm:scene3d>
+    <dgm:sp3d/>
+    <dgm:txPr/>
+    <dgm:style>
+      <a:lnRef idx="0">
+        <a:scrgbClr r="0" g="0" b="0"/>
+      </a:lnRef>
+      <a:fillRef idx="3">
+        <a:scrgbClr r="0" g="0" b="0"/>
+      </a:fillRef>
+      <a:effectRef idx="2">
+        <a:scrgbClr r="0" g="0" b="0"/>
+      </a:effectRef>
+      <a:fontRef idx="minor">
+        <a:schemeClr val="lt1"/>
+      </a:fontRef>
+    </dgm:style>
+  </dgm:styleLbl>
+  <dgm:styleLbl name="asst2">
+    <dgm:scene3d>
+      <a:camera prst="orthographicFront"/>
+      <a:lightRig rig="threePt" dir="t"/>
+    </dgm:scene3d>
+    <dgm:sp3d/>
+    <dgm:txPr/>
+    <dgm:style>
+      <a:lnRef idx="0">
+        <a:scrgbClr r="0" g="0" b="0"/>
+      </a:lnRef>
+      <a:fillRef idx="3">
+        <a:scrgbClr r="0" g="0" b="0"/>
+      </a:fillRef>
+      <a:effectRef idx="2">
+        <a:scrgbClr r="0" g="0" b="0"/>
+      </a:effectRef>
+      <a:fontRef idx="minor">
+        <a:schemeClr val="lt1"/>
+      </a:fontRef>
+    </dgm:style>
+  </dgm:styleLbl>
+  <dgm:styleLbl name="asst3">
+    <dgm:scene3d>
+      <a:camera prst="orthographicFront"/>
+      <a:lightRig rig="threePt" dir="t"/>
+    </dgm:scene3d>
+    <dgm:sp3d/>
+    <dgm:txPr/>
+    <dgm:style>
+      <a:lnRef idx="0">
+        <a:scrgbClr r="0" g="0" b="0"/>
+      </a:lnRef>
+      <a:fillRef idx="3">
+        <a:scrgbClr r="0" g="0" b="0"/>
+      </a:fillRef>
+      <a:effectRef idx="2">
+        <a:scrgbClr r="0" g="0" b="0"/>
+      </a:effectRef>
+      <a:fontRef idx="minor">
+        <a:schemeClr val="lt1"/>
+      </a:fontRef>
+    </dgm:style>
+  </dgm:styleLbl>
+  <dgm:styleLbl name="asst4">
+    <dgm:scene3d>
+      <a:camera prst="orthographicFront"/>
+      <a:lightRig rig="threePt" dir="t"/>
+    </dgm:scene3d>
+    <dgm:sp3d/>
+    <dgm:txPr/>
+    <dgm:style>
+      <a:lnRef idx="0">
+        <a:scrgbClr r="0" g="0" b="0"/>
+      </a:lnRef>
+      <a:fillRef idx="3">
+        <a:scrgbClr r="0" g="0" b="0"/>
+      </a:fillRef>
+      <a:effectRef idx="2">
+        <a:scrgbClr r="0" g="0" b="0"/>
+      </a:effectRef>
+      <a:fontRef idx="minor">
+        <a:schemeClr val="lt1"/>
+      </a:fontRef>
+    </dgm:style>
+  </dgm:styleLbl>
+  <dgm:styleLbl name="parChTrans2D1">
+    <dgm:scene3d>
+      <a:camera prst="orthographicFront"/>
+      <a:lightRig rig="threePt" dir="t"/>
+    </dgm:scene3d>
+    <dgm:sp3d/>
+    <dgm:txPr/>
+    <dgm:style>
+      <a:lnRef idx="0">
+        <a:scrgbClr r="0" g="0" b="0"/>
+      </a:lnRef>
+      <a:fillRef idx="3">
+        <a:scrgbClr r="0" g="0" b="0"/>
+      </a:fillRef>
+      <a:effectRef idx="2">
+        <a:scrgbClr r="0" g="0" b="0"/>
+      </a:effectRef>
+      <a:fontRef idx="minor">
+        <a:schemeClr val="lt1"/>
+      </a:fontRef>
+    </dgm:style>
+  </dgm:styleLbl>
+  <dgm:styleLbl name="parChTrans2D2">
+    <dgm:scene3d>
+      <a:camera prst="orthographicFront"/>
+      <a:lightRig rig="threePt" dir="t"/>
+    </dgm:scene3d>
+    <dgm:sp3d/>
+    <dgm:txPr/>
+    <dgm:style>
+      <a:lnRef idx="0">
+        <a:scrgbClr r="0" g="0" b="0"/>
+      </a:lnRef>
+      <a:fillRef idx="3">
+        <a:scrgbClr r="0" g="0" b="0"/>
+      </a:fillRef>
+      <a:effectRef idx="2">
+        <a:scrgbClr r="0" g="0" b="0"/>
+      </a:effectRef>
+      <a:fontRef idx="minor">
+        <a:schemeClr val="lt1"/>
+      </a:fontRef>
+    </dgm:style>
+  </dgm:styleLbl>
+  <dgm:styleLbl name="parChTrans2D3">
+    <dgm:scene3d>
+      <a:camera prst="orthographicFront"/>
+      <a:lightRig rig="threePt" dir="t"/>
+    </dgm:scene3d>
+    <dgm:sp3d/>
+    <dgm:txPr/>
+    <dgm:style>
+      <a:lnRef idx="1">
+        <a:scrgbClr r="0" g="0" b="0"/>
+      </a:lnRef>
+      <a:fillRef idx="3">
+        <a:scrgbClr r="0" g="0" b="0"/>
+      </a:fillRef>
+      <a:effectRef idx="2">
+        <a:scrgbClr r="0" g="0" b="0"/>
+      </a:effectRef>
+      <a:fontRef idx="minor">
+        <a:schemeClr val="lt1"/>
+      </a:fontRef>
+    </dgm:style>
+  </dgm:styleLbl>
+  <dgm:styleLbl name="parChTrans2D4">
+    <dgm:scene3d>
+      <a:camera prst="orthographicFront"/>
+      <a:lightRig rig="threePt" dir="t"/>
+    </dgm:scene3d>
+    <dgm:sp3d/>
+    <dgm:txPr/>
+    <dgm:style>
+      <a:lnRef idx="1">
+        <a:scrgbClr r="0" g="0" b="0"/>
+      </a:lnRef>
+      <a:fillRef idx="3">
+        <a:scrgbClr r="0" g="0" b="0"/>
+      </a:fillRef>
+      <a:effectRef idx="2">
+        <a:scrgbClr r="0" g="0" b="0"/>
+      </a:effectRef>
+      <a:fontRef idx="minor">
+        <a:schemeClr val="lt1"/>
+      </a:fontRef>
+    </dgm:style>
+  </dgm:styleLbl>
+  <dgm:styleLbl name="parChTrans1D1">
+    <dgm:scene3d>
+      <a:camera prst="orthographicFront"/>
+      <a:lightRig rig="threePt" dir="t"/>
+    </dgm:scene3d>
+    <dgm:sp3d/>
+    <dgm:txPr/>
+    <dgm:style>
+      <a:lnRef idx="1">
+        <a:scrgbClr r="0" g="0" b="0"/>
+      </a:lnRef>
+      <a:fillRef idx="0">
+        <a:scrgbClr r="0" g="0" b="0"/>
+      </a:fillRef>
+      <a:effectRef idx="0">
+        <a:scrgbClr r="0" g="0" b="0"/>
+      </a:effectRef>
+      <a:fontRef idx="minor"/>
+    </dgm:style>
+  </dgm:styleLbl>
+  <dgm:styleLbl name="parChTrans1D2">
+    <dgm:scene3d>
+      <a:camera prst="orthographicFront"/>
+      <a:lightRig rig="threePt" dir="t"/>
+    </dgm:scene3d>
+    <dgm:sp3d/>
+    <dgm:txPr/>
+    <dgm:style>
+      <a:lnRef idx="1">
+        <a:scrgbClr r="0" g="0" b="0"/>
+      </a:lnRef>
+      <a:fillRef idx="0">
+        <a:scrgbClr r="0" g="0" b="0"/>
+      </a:fillRef>
+      <a:effectRef idx="0">
+        <a:scrgbClr r="0" g="0" b="0"/>
+      </a:effectRef>
+      <a:fontRef idx="minor"/>
+    </dgm:style>
+  </dgm:styleLbl>
+  <dgm:styleLbl name="parChTrans1D3">
+    <dgm:scene3d>
+      <a:camera prst="orthographicFront"/>
+      <a:lightRig rig="threePt" dir="t"/>
+    </dgm:scene3d>
+    <dgm:sp3d/>
+    <dgm:txPr/>
+    <dgm:style>
+      <a:lnRef idx="1">
+        <a:scrgbClr r="0" g="0" b="0"/>
+      </a:lnRef>
+      <a:fillRef idx="0">
+        <a:scrgbClr r="0" g="0" b="0"/>
+      </a:fillRef>
+      <a:effectRef idx="0">
+        <a:scrgbClr r="0" g="0" b="0"/>
+      </a:effectRef>
+      <a:fontRef idx="minor"/>
+    </dgm:style>
+  </dgm:styleLbl>
+  <dgm:styleLbl name="parChTrans1D4">
+    <dgm:scene3d>
+      <a:camera prst="orthographicFront"/>
+      <a:lightRig rig="threePt" dir="t"/>
+    </dgm:scene3d>
+    <dgm:sp3d/>
+    <dgm:txPr/>
+    <dgm:style>
+      <a:lnRef idx="1">
+        <a:scrgbClr r="0" g="0" b="0"/>
+      </a:lnRef>
+      <a:fillRef idx="0">
+        <a:scrgbClr r="0" g="0" b="0"/>
+      </a:fillRef>
+      <a:effectRef idx="0">
+        <a:scrgbClr r="0" g="0" b="0"/>
+      </a:effectRef>
+      <a:fontRef idx="minor"/>
+    </dgm:style>
+  </dgm:styleLbl>
+  <dgm:styleLbl name="fgAcc1">
+    <dgm:scene3d>
+      <a:camera prst="orthographicFront"/>
+      <a:lightRig rig="threePt" dir="t"/>
+    </dgm:scene3d>
+    <dgm:sp3d/>
+    <dgm:txPr/>
+    <dgm:style>
+      <a:lnRef idx="1">
+        <a:scrgbClr r="0" g="0" b="0"/>
+      </a:lnRef>
+      <a:fillRef idx="1">
+        <a:scrgbClr r="0" g="0" b="0"/>
+      </a:fillRef>
+      <a:effectRef idx="0">
+        <a:scrgbClr r="0" g="0" b="0"/>
+      </a:effectRef>
+      <a:fontRef idx="minor"/>
+    </dgm:style>
+  </dgm:styleLbl>
+  <dgm:styleLbl name="conFgAcc1">
+    <dgm:scene3d>
+      <a:camera prst="orthographicFront"/>
+      <a:lightRig rig="threePt" dir="t"/>
+    </dgm:scene3d>
+    <dgm:sp3d/>
+    <dgm:txPr/>
+    <dgm:style>
+      <a:lnRef idx="1">
+        <a:scrgbClr r="0" g="0" b="0"/>
+      </a:lnRef>
+      <a:fillRef idx="1">
+        <a:scrgbClr r="0" g="0" b="0"/>
+      </a:fillRef>
+      <a:effectRef idx="0">
+        <a:scrgbClr r="0" g="0" b="0"/>
+      </a:effectRef>
+      <a:fontRef idx="minor"/>
+    </dgm:style>
+  </dgm:styleLbl>
+  <dgm:styleLbl name="alignAcc1">
+    <dgm:scene3d>
+      <a:camera prst="orthographicFront"/>
+      <a:lightRig rig="threePt" dir="t"/>
+    </dgm:scene3d>
+    <dgm:sp3d/>
+    <dgm:txPr/>
+    <dgm:style>
+      <a:lnRef idx="1">
+        <a:scrgbClr r="0" g="0" b="0"/>
+      </a:lnRef>
+      <a:fillRef idx="1">
+        <a:scrgbClr r="0" g="0" b="0"/>
+      </a:fillRef>
+      <a:effectRef idx="0">
+        <a:scrgbClr r="0" g="0" b="0"/>
+      </a:effectRef>
+      <a:fontRef idx="minor"/>
+    </dgm:style>
+  </dgm:styleLbl>
+  <dgm:styleLbl name="trAlignAcc1">
+    <dgm:scene3d>
+      <a:camera prst="orthographicFront"/>
+      <a:lightRig rig="threePt" dir="t"/>
+    </dgm:scene3d>
+    <dgm:sp3d/>
+    <dgm:txPr/>
+    <dgm:style>
+      <a:lnRef idx="1">
+        <a:scrgbClr r="0" g="0" b="0"/>
+      </a:lnRef>
+      <a:fillRef idx="1">
+        <a:scrgbClr r="0" g="0" b="0"/>
+      </a:fillRef>
+      <a:effectRef idx="0">
+        <a:scrgbClr r="0" g="0" b="0"/>
+      </a:effectRef>
+      <a:fontRef idx="minor"/>
+    </dgm:style>
+  </dgm:styleLbl>
+  <dgm:styleLbl name="bgAcc1">
+    <dgm:scene3d>
+      <a:camera prst="orthographicFront"/>
+      <a:lightRig rig="threePt" dir="t"/>
+    </dgm:scene3d>
+    <dgm:sp3d/>
+    <dgm:txPr/>
+    <dgm:style>
+      <a:lnRef idx="1">
+        <a:scrgbClr r="0" g="0" b="0"/>
+      </a:lnRef>
+      <a:fillRef idx="1">
+        <a:scrgbClr r="0" g="0" b="0"/>
+      </a:fillRef>
+      <a:effectRef idx="0">
+        <a:scrgbClr r="0" g="0" b="0"/>
+      </a:effectRef>
+      <a:fontRef idx="minor"/>
+    </dgm:style>
+  </dgm:styleLbl>
+  <dgm:styleLbl name="solidFgAcc1">
+    <dgm:scene3d>
+      <a:camera prst="orthographicFront"/>
+      <a:lightRig rig="threePt" dir="t"/>
+    </dgm:scene3d>
+    <dgm:sp3d/>
+    <dgm:txPr/>
+    <dgm:style>
+      <a:lnRef idx="1">
+        <a:scrgbClr r="0" g="0" b="0"/>
+      </a:lnRef>
+      <a:fillRef idx="1">
+        <a:scrgbClr r="0" g="0" b="0"/>
+      </a:fillRef>
+      <a:effectRef idx="0">
+        <a:scrgbClr r="0" g="0" b="0"/>
+      </a:effectRef>
+      <a:fontRef idx="minor"/>
+    </dgm:style>
+  </dgm:styleLbl>
+  <dgm:styleLbl name="solidAlignAcc1">
+    <dgm:scene3d>
+      <a:camera prst="orthographicFront"/>
+      <a:lightRig rig="threePt" dir="t"/>
+    </dgm:scene3d>
+    <dgm:sp3d/>
+    <dgm:txPr/>
+    <dgm:style>
+      <a:lnRef idx="1">
+        <a:scrgbClr r="0" g="0" b="0"/>
+      </a:lnRef>
+      <a:fillRef idx="1">
+        <a:scrgbClr r="0" g="0" b="0"/>
+      </a:fillRef>
+      <a:effectRef idx="0">
+        <a:scrgbClr r="0" g="0" b="0"/>
+      </a:effectRef>
+      <a:fontRef idx="minor"/>
+    </dgm:style>
+  </dgm:styleLbl>
+  <dgm:styleLbl name="solidBgAcc1">
+    <dgm:scene3d>
+      <a:camera prst="orthographicFront"/>
+      <a:lightRig rig="threePt" dir="t"/>
+    </dgm:scene3d>
+    <dgm:sp3d/>
+    <dgm:txPr/>
+    <dgm:style>
+      <a:lnRef idx="1">
+        <a:scrgbClr r="0" g="0" b="0"/>
+      </a:lnRef>
+      <a:fillRef idx="1">
+        <a:scrgbClr r="0" g="0" b="0"/>
+      </a:fillRef>
+      <a:effectRef idx="0">
+        <a:scrgbClr r="0" g="0" b="0"/>
+      </a:effectRef>
+      <a:fontRef idx="minor"/>
+    </dgm:style>
+  </dgm:styleLbl>
+  <dgm:styleLbl name="fgAccFollowNode1">
+    <dgm:scene3d>
+      <a:camera prst="orthographicFront"/>
+      <a:lightRig rig="threePt" dir="t"/>
+    </dgm:scene3d>
+    <dgm:sp3d/>
+    <dgm:txPr/>
+    <dgm:style>
+      <a:lnRef idx="1">
+        <a:scrgbClr r="0" g="0" b="0"/>
+      </a:lnRef>
+      <a:fillRef idx="1">
+        <a:scrgbClr r="0" g="0" b="0"/>
+      </a:fillRef>
+      <a:effectRef idx="0">
+        <a:scrgbClr r="0" g="0" b="0"/>
+      </a:effectRef>
+      <a:fontRef idx="minor"/>
+    </dgm:style>
+  </dgm:styleLbl>
+  <dgm:styleLbl name="alignAccFollowNode1">
+    <dgm:scene3d>
+      <a:camera prst="orthographicFront"/>
+      <a:lightRig rig="threePt" dir="t"/>
+    </dgm:scene3d>
+    <dgm:sp3d/>
+    <dgm:txPr/>
+    <dgm:style>
+      <a:lnRef idx="1">
+        <a:scrgbClr r="0" g="0" b="0"/>
+      </a:lnRef>
+      <a:fillRef idx="1">
+        <a:scrgbClr r="0" g="0" b="0"/>
+      </a:fillRef>
+      <a:effectRef idx="0">
+        <a:scrgbClr r="0" g="0" b="0"/>
+      </a:effectRef>
+      <a:fontRef idx="minor"/>
+    </dgm:style>
+  </dgm:styleLbl>
+  <dgm:styleLbl name="bgAccFollowNode1">
+    <dgm:scene3d>
+      <a:camera prst="orthographicFront"/>
+      <a:lightRig rig="threePt" dir="t"/>
+    </dgm:scene3d>
+    <dgm:sp3d/>
+    <dgm:txPr/>
+    <dgm:style>
+      <a:lnRef idx="1">
+        <a:scrgbClr r="0" g="0" b="0"/>
+      </a:lnRef>
+      <a:fillRef idx="1">
+        <a:scrgbClr r="0" g="0" b="0"/>
+      </a:fillRef>
+      <a:effectRef idx="0">
+        <a:scrgbClr r="0" g="0" b="0"/>
+      </a:effectRef>
+      <a:fontRef idx="minor"/>
+    </dgm:style>
+  </dgm:styleLbl>
+  <dgm:styleLbl name="fgAcc0">
+    <dgm:scene3d>
+      <a:camera prst="orthographicFront"/>
+      <a:lightRig rig="threePt" dir="t"/>
+    </dgm:scene3d>
+    <dgm:sp3d/>
+    <dgm:txPr/>
+    <dgm:style>
+      <a:lnRef idx="1">
+        <a:scrgbClr r="0" g="0" b="0"/>
+      </a:lnRef>
+      <a:fillRef idx="1">
+        <a:scrgbClr r="0" g="0" b="0"/>
+      </a:fillRef>
+      <a:effectRef idx="0">
+        <a:scrgbClr r="0" g="0" b="0"/>
+      </a:effectRef>
+      <a:fontRef idx="minor"/>
+    </dgm:style>
+  </dgm:styleLbl>
+  <dgm:styleLbl name="fgAcc2">
+    <dgm:scene3d>
+      <a:camera prst="orthographicFront"/>
+      <a:lightRig rig="threePt" dir="t"/>
+    </dgm:scene3d>
+    <dgm:sp3d/>
+    <dgm:txPr/>
+    <dgm:style>
+      <a:lnRef idx="1">
+        <a:scrgbClr r="0" g="0" b="0"/>
+      </a:lnRef>
+      <a:fillRef idx="1">
+        <a:scrgbClr r="0" g="0" b="0"/>
+      </a:fillRef>
+      <a:effectRef idx="0">
+        <a:scrgbClr r="0" g="0" b="0"/>
+      </a:effectRef>
+      <a:fontRef idx="minor"/>
+    </dgm:style>
+  </dgm:styleLbl>
+  <dgm:styleLbl name="fgAcc3">
+    <dgm:scene3d>
+      <a:camera prst="orthographicFront"/>
+      <a:lightRig rig="threePt" dir="t"/>
+    </dgm:scene3d>
+    <dgm:sp3d/>
+    <dgm:txPr/>
+    <dgm:style>
+      <a:lnRef idx="1">
+        <a:scrgbClr r="0" g="0" b="0"/>
+      </a:lnRef>
+      <a:fillRef idx="1">
+        <a:scrgbClr r="0" g="0" b="0"/>
+      </a:fillRef>
+      <a:effectRef idx="0">
+        <a:scrgbClr r="0" g="0" b="0"/>
+      </a:effectRef>
+      <a:fontRef idx="minor"/>
+    </dgm:style>
+  </dgm:styleLbl>
+  <dgm:styleLbl name="fgAcc4">
+    <dgm:scene3d>
+      <a:camera prst="orthographicFront"/>
+      <a:lightRig rig="threePt" dir="t"/>
+    </dgm:scene3d>
+    <dgm:sp3d/>
+    <dgm:txPr/>
+    <dgm:style>
+      <a:lnRef idx="1">
+        <a:scrgbClr r="0" g="0" b="0"/>
+      </a:lnRef>
+      <a:fillRef idx="1">
+        <a:scrgbClr r="0" g="0" b="0"/>
+      </a:fillRef>
+      <a:effectRef idx="0">
+        <a:scrgbClr r="0" g="0" b="0"/>
+      </a:effectRef>
+      <a:fontRef idx="minor"/>
+    </dgm:style>
+  </dgm:styleLbl>
+  <dgm:styleLbl name="bgShp">
+    <dgm:scene3d>
+      <a:camera prst="orthographicFront"/>
+      <a:lightRig rig="threePt" dir="t"/>
+    </dgm:scene3d>
+    <dgm:sp3d/>
+    <dgm:txPr/>
+    <dgm:style>
+      <a:lnRef idx="0">
+        <a:scrgbClr r="0" g="0" b="0"/>
+      </a:lnRef>
+      <a:fillRef idx="1">
+        <a:scrgbClr r="0" g="0" b="0"/>
+      </a:fillRef>
+      <a:effectRef idx="2">
+        <a:scrgbClr r="0" g="0" b="0"/>
+      </a:effectRef>
+      <a:fontRef idx="minor"/>
+    </dgm:style>
+  </dgm:styleLbl>
+  <dgm:styleLbl name="dkBgShp">
+    <dgm:scene3d>
+      <a:camera prst="orthographicFront"/>
+      <a:lightRig rig="threePt" dir="t"/>
+    </dgm:scene3d>
+    <dgm:sp3d/>
+    <dgm:txPr/>
+    <dgm:style>
+      <a:lnRef idx="0">
+        <a:scrgbClr r="0" g="0" b="0"/>
+      </a:lnRef>
+      <a:fillRef idx="1">
+        <a:scrgbClr r="0" g="0" b="0"/>
+      </a:fillRef>
+      <a:effectRef idx="2">
+        <a:scrgbClr r="0" g="0" b="0"/>
+      </a:effectRef>
+      <a:fontRef idx="minor"/>
+    </dgm:style>
+  </dgm:styleLbl>
+  <dgm:styleLbl name="trBgShp">
+    <dgm:scene3d>
+      <a:camera prst="orthographicFront"/>
+      <a:lightRig rig="threePt" dir="t"/>
+    </dgm:scene3d>
+    <dgm:sp3d/>
+    <dgm:txPr/>
+    <dgm:style>
+      <a:lnRef idx="0">
+        <a:scrgbClr r="0" g="0" b="0"/>
+      </a:lnRef>
+      <a:fillRef idx="1">
+        <a:scrgbClr r="0" g="0" b="0"/>
+      </a:fillRef>
+      <a:effectRef idx="0">
+        <a:scrgbClr r="0" g="0" b="0"/>
+      </a:effectRef>
+      <a:fontRef idx="minor"/>
+    </dgm:style>
+  </dgm:styleLbl>
+  <dgm:styleLbl name="fgShp">
+    <dgm:scene3d>
+      <a:camera prst="orthographicFront"/>
+      <a:lightRig rig="threePt" dir="t"/>
+    </dgm:scene3d>
+    <dgm:sp3d/>
+    <dgm:txPr/>
+    <dgm:style>
+      <a:lnRef idx="0">
+        <a:scrgbClr r="0" g="0" b="0"/>
+      </a:lnRef>
+      <a:fillRef idx="3">
+        <a:scrgbClr r="0" g="0" b="0"/>
+      </a:fillRef>
+      <a:effectRef idx="2">
+        <a:scrgbClr r="0" g="0" b="0"/>
+      </a:effectRef>
+      <a:fontRef idx="minor"/>
+    </dgm:style>
+  </dgm:styleLbl>
+  <dgm:styleLbl name="revTx">
+    <dgm:scene3d>
+      <a:camera prst="orthographicFront"/>
+      <a:lightRig rig="threePt" dir="t"/>
+    </dgm:scene3d>
+    <dgm:sp3d/>
+    <dgm:txPr/>
+    <dgm:style>
+      <a:lnRef idx="0">
+        <a:scrgbClr r="0" g="0" b="0"/>
+      </a:lnRef>
+      <a:fillRef idx="0">
+        <a:scrgbClr r="0" g="0" b="0"/>
+      </a:fillRef>
+      <a:effectRef idx="0">
+        <a:scrgbClr r="0" g="0" b="0"/>
+      </a:effectRef>
+      <a:fontRef idx="minor"/>
+    </dgm:style>
+  </dgm:styleLbl>
+</dgm:styleDef>
+</file>
+
+<file path=ppt/diagrams/quickStyle2.xml><?xml version="1.0" encoding="utf-8"?>
 <dgm:styleDef xmlns:dgm="http://schemas.openxmlformats.org/drawingml/2006/diagram" xmlns:a="http://schemas.openxmlformats.org/drawingml/2006/main" uniqueId="urn:microsoft.com/office/officeart/2005/8/quickstyle/simple2">
   <dgm:title val=""/>
   <dgm:desc val=""/>
@@ -4411,1040 +5662,6 @@
         <a:scrgbClr r="0" g="0" b="0"/>
       </a:fillRef>
       <a:effectRef idx="1">
-        <a:scrgbClr r="0" g="0" b="0"/>
-      </a:effectRef>
-      <a:fontRef idx="minor"/>
-    </dgm:style>
-  </dgm:styleLbl>
-  <dgm:styleLbl name="revTx">
-    <dgm:scene3d>
-      <a:camera prst="orthographicFront"/>
-      <a:lightRig rig="threePt" dir="t"/>
-    </dgm:scene3d>
-    <dgm:sp3d/>
-    <dgm:txPr/>
-    <dgm:style>
-      <a:lnRef idx="0">
-        <a:scrgbClr r="0" g="0" b="0"/>
-      </a:lnRef>
-      <a:fillRef idx="0">
-        <a:scrgbClr r="0" g="0" b="0"/>
-      </a:fillRef>
-      <a:effectRef idx="0">
-        <a:scrgbClr r="0" g="0" b="0"/>
-      </a:effectRef>
-      <a:fontRef idx="minor"/>
-    </dgm:style>
-  </dgm:styleLbl>
-</dgm:styleDef>
-</file>
-
-<file path=ppt/diagrams/quickStyle2.xml><?xml version="1.0" encoding="utf-8"?>
-<dgm:styleDef xmlns:dgm="http://schemas.openxmlformats.org/drawingml/2006/diagram" xmlns:a="http://schemas.openxmlformats.org/drawingml/2006/main" uniqueId="urn:microsoft.com/office/officeart/2005/8/quickstyle/simple1">
-  <dgm:title val=""/>
-  <dgm:desc val=""/>
-  <dgm:catLst>
-    <dgm:cat type="simple" pri="10100"/>
-  </dgm:catLst>
-  <dgm:scene3d>
-    <a:camera prst="orthographicFront"/>
-    <a:lightRig rig="threePt" dir="t"/>
-  </dgm:scene3d>
-  <dgm:styleLbl name="node0">
-    <dgm:scene3d>
-      <a:camera prst="orthographicFront"/>
-      <a:lightRig rig="threePt" dir="t"/>
-    </dgm:scene3d>
-    <dgm:sp3d/>
-    <dgm:txPr/>
-    <dgm:style>
-      <a:lnRef idx="2">
-        <a:scrgbClr r="0" g="0" b="0"/>
-      </a:lnRef>
-      <a:fillRef idx="1">
-        <a:scrgbClr r="0" g="0" b="0"/>
-      </a:fillRef>
-      <a:effectRef idx="0">
-        <a:scrgbClr r="0" g="0" b="0"/>
-      </a:effectRef>
-      <a:fontRef idx="minor">
-        <a:schemeClr val="lt1"/>
-      </a:fontRef>
-    </dgm:style>
-  </dgm:styleLbl>
-  <dgm:styleLbl name="lnNode1">
-    <dgm:scene3d>
-      <a:camera prst="orthographicFront"/>
-      <a:lightRig rig="threePt" dir="t"/>
-    </dgm:scene3d>
-    <dgm:sp3d/>
-    <dgm:txPr/>
-    <dgm:style>
-      <a:lnRef idx="2">
-        <a:scrgbClr r="0" g="0" b="0"/>
-      </a:lnRef>
-      <a:fillRef idx="1">
-        <a:scrgbClr r="0" g="0" b="0"/>
-      </a:fillRef>
-      <a:effectRef idx="0">
-        <a:scrgbClr r="0" g="0" b="0"/>
-      </a:effectRef>
-      <a:fontRef idx="minor">
-        <a:schemeClr val="lt1"/>
-      </a:fontRef>
-    </dgm:style>
-  </dgm:styleLbl>
-  <dgm:styleLbl name="vennNode1">
-    <dgm:scene3d>
-      <a:camera prst="orthographicFront"/>
-      <a:lightRig rig="threePt" dir="t"/>
-    </dgm:scene3d>
-    <dgm:sp3d/>
-    <dgm:txPr/>
-    <dgm:style>
-      <a:lnRef idx="2">
-        <a:scrgbClr r="0" g="0" b="0"/>
-      </a:lnRef>
-      <a:fillRef idx="1">
-        <a:scrgbClr r="0" g="0" b="0"/>
-      </a:fillRef>
-      <a:effectRef idx="0">
-        <a:scrgbClr r="0" g="0" b="0"/>
-      </a:effectRef>
-      <a:fontRef idx="minor">
-        <a:schemeClr val="tx1"/>
-      </a:fontRef>
-    </dgm:style>
-  </dgm:styleLbl>
-  <dgm:styleLbl name="alignNode1">
-    <dgm:scene3d>
-      <a:camera prst="orthographicFront"/>
-      <a:lightRig rig="threePt" dir="t"/>
-    </dgm:scene3d>
-    <dgm:sp3d/>
-    <dgm:txPr/>
-    <dgm:style>
-      <a:lnRef idx="2">
-        <a:scrgbClr r="0" g="0" b="0"/>
-      </a:lnRef>
-      <a:fillRef idx="1">
-        <a:scrgbClr r="0" g="0" b="0"/>
-      </a:fillRef>
-      <a:effectRef idx="0">
-        <a:scrgbClr r="0" g="0" b="0"/>
-      </a:effectRef>
-      <a:fontRef idx="minor">
-        <a:schemeClr val="lt1"/>
-      </a:fontRef>
-    </dgm:style>
-  </dgm:styleLbl>
-  <dgm:styleLbl name="node1">
-    <dgm:scene3d>
-      <a:camera prst="orthographicFront"/>
-      <a:lightRig rig="threePt" dir="t"/>
-    </dgm:scene3d>
-    <dgm:sp3d/>
-    <dgm:txPr/>
-    <dgm:style>
-      <a:lnRef idx="2">
-        <a:scrgbClr r="0" g="0" b="0"/>
-      </a:lnRef>
-      <a:fillRef idx="1">
-        <a:scrgbClr r="0" g="0" b="0"/>
-      </a:fillRef>
-      <a:effectRef idx="0">
-        <a:scrgbClr r="0" g="0" b="0"/>
-      </a:effectRef>
-      <a:fontRef idx="minor">
-        <a:schemeClr val="lt1"/>
-      </a:fontRef>
-    </dgm:style>
-  </dgm:styleLbl>
-  <dgm:styleLbl name="node2">
-    <dgm:scene3d>
-      <a:camera prst="orthographicFront"/>
-      <a:lightRig rig="threePt" dir="t"/>
-    </dgm:scene3d>
-    <dgm:sp3d/>
-    <dgm:txPr/>
-    <dgm:style>
-      <a:lnRef idx="2">
-        <a:scrgbClr r="0" g="0" b="0"/>
-      </a:lnRef>
-      <a:fillRef idx="1">
-        <a:scrgbClr r="0" g="0" b="0"/>
-      </a:fillRef>
-      <a:effectRef idx="0">
-        <a:scrgbClr r="0" g="0" b="0"/>
-      </a:effectRef>
-      <a:fontRef idx="minor">
-        <a:schemeClr val="lt1"/>
-      </a:fontRef>
-    </dgm:style>
-  </dgm:styleLbl>
-  <dgm:styleLbl name="node3">
-    <dgm:scene3d>
-      <a:camera prst="orthographicFront"/>
-      <a:lightRig rig="threePt" dir="t"/>
-    </dgm:scene3d>
-    <dgm:sp3d/>
-    <dgm:txPr/>
-    <dgm:style>
-      <a:lnRef idx="2">
-        <a:scrgbClr r="0" g="0" b="0"/>
-      </a:lnRef>
-      <a:fillRef idx="1">
-        <a:scrgbClr r="0" g="0" b="0"/>
-      </a:fillRef>
-      <a:effectRef idx="0">
-        <a:scrgbClr r="0" g="0" b="0"/>
-      </a:effectRef>
-      <a:fontRef idx="minor">
-        <a:schemeClr val="lt1"/>
-      </a:fontRef>
-    </dgm:style>
-  </dgm:styleLbl>
-  <dgm:styleLbl name="node4">
-    <dgm:scene3d>
-      <a:camera prst="orthographicFront"/>
-      <a:lightRig rig="threePt" dir="t"/>
-    </dgm:scene3d>
-    <dgm:sp3d/>
-    <dgm:txPr/>
-    <dgm:style>
-      <a:lnRef idx="2">
-        <a:scrgbClr r="0" g="0" b="0"/>
-      </a:lnRef>
-      <a:fillRef idx="1">
-        <a:scrgbClr r="0" g="0" b="0"/>
-      </a:fillRef>
-      <a:effectRef idx="0">
-        <a:scrgbClr r="0" g="0" b="0"/>
-      </a:effectRef>
-      <a:fontRef idx="minor">
-        <a:schemeClr val="lt1"/>
-      </a:fontRef>
-    </dgm:style>
-  </dgm:styleLbl>
-  <dgm:styleLbl name="fgImgPlace1">
-    <dgm:scene3d>
-      <a:camera prst="orthographicFront"/>
-      <a:lightRig rig="threePt" dir="t"/>
-    </dgm:scene3d>
-    <dgm:sp3d/>
-    <dgm:txPr/>
-    <dgm:style>
-      <a:lnRef idx="2">
-        <a:scrgbClr r="0" g="0" b="0"/>
-      </a:lnRef>
-      <a:fillRef idx="1">
-        <a:scrgbClr r="0" g="0" b="0"/>
-      </a:fillRef>
-      <a:effectRef idx="0">
-        <a:scrgbClr r="0" g="0" b="0"/>
-      </a:effectRef>
-      <a:fontRef idx="minor"/>
-    </dgm:style>
-  </dgm:styleLbl>
-  <dgm:styleLbl name="alignImgPlace1">
-    <dgm:scene3d>
-      <a:camera prst="orthographicFront"/>
-      <a:lightRig rig="threePt" dir="t"/>
-    </dgm:scene3d>
-    <dgm:sp3d/>
-    <dgm:txPr/>
-    <dgm:style>
-      <a:lnRef idx="2">
-        <a:scrgbClr r="0" g="0" b="0"/>
-      </a:lnRef>
-      <a:fillRef idx="1">
-        <a:scrgbClr r="0" g="0" b="0"/>
-      </a:fillRef>
-      <a:effectRef idx="0">
-        <a:scrgbClr r="0" g="0" b="0"/>
-      </a:effectRef>
-      <a:fontRef idx="minor"/>
-    </dgm:style>
-  </dgm:styleLbl>
-  <dgm:styleLbl name="bgImgPlace1">
-    <dgm:scene3d>
-      <a:camera prst="orthographicFront"/>
-      <a:lightRig rig="threePt" dir="t"/>
-    </dgm:scene3d>
-    <dgm:sp3d/>
-    <dgm:txPr/>
-    <dgm:style>
-      <a:lnRef idx="2">
-        <a:scrgbClr r="0" g="0" b="0"/>
-      </a:lnRef>
-      <a:fillRef idx="1">
-        <a:scrgbClr r="0" g="0" b="0"/>
-      </a:fillRef>
-      <a:effectRef idx="0">
-        <a:scrgbClr r="0" g="0" b="0"/>
-      </a:effectRef>
-      <a:fontRef idx="minor"/>
-    </dgm:style>
-  </dgm:styleLbl>
-  <dgm:styleLbl name="sibTrans2D1">
-    <dgm:scene3d>
-      <a:camera prst="orthographicFront"/>
-      <a:lightRig rig="threePt" dir="t"/>
-    </dgm:scene3d>
-    <dgm:sp3d/>
-    <dgm:txPr/>
-    <dgm:style>
-      <a:lnRef idx="0">
-        <a:scrgbClr r="0" g="0" b="0"/>
-      </a:lnRef>
-      <a:fillRef idx="1">
-        <a:scrgbClr r="0" g="0" b="0"/>
-      </a:fillRef>
-      <a:effectRef idx="0">
-        <a:scrgbClr r="0" g="0" b="0"/>
-      </a:effectRef>
-      <a:fontRef idx="minor">
-        <a:schemeClr val="lt1"/>
-      </a:fontRef>
-    </dgm:style>
-  </dgm:styleLbl>
-  <dgm:styleLbl name="fgSibTrans2D1">
-    <dgm:scene3d>
-      <a:camera prst="orthographicFront"/>
-      <a:lightRig rig="threePt" dir="t"/>
-    </dgm:scene3d>
-    <dgm:sp3d/>
-    <dgm:txPr/>
-    <dgm:style>
-      <a:lnRef idx="0">
-        <a:scrgbClr r="0" g="0" b="0"/>
-      </a:lnRef>
-      <a:fillRef idx="1">
-        <a:scrgbClr r="0" g="0" b="0"/>
-      </a:fillRef>
-      <a:effectRef idx="0">
-        <a:scrgbClr r="0" g="0" b="0"/>
-      </a:effectRef>
-      <a:fontRef idx="minor">
-        <a:schemeClr val="lt1"/>
-      </a:fontRef>
-    </dgm:style>
-  </dgm:styleLbl>
-  <dgm:styleLbl name="bgSibTrans2D1">
-    <dgm:scene3d>
-      <a:camera prst="orthographicFront"/>
-      <a:lightRig rig="threePt" dir="t"/>
-    </dgm:scene3d>
-    <dgm:sp3d/>
-    <dgm:txPr/>
-    <dgm:style>
-      <a:lnRef idx="0">
-        <a:scrgbClr r="0" g="0" b="0"/>
-      </a:lnRef>
-      <a:fillRef idx="1">
-        <a:scrgbClr r="0" g="0" b="0"/>
-      </a:fillRef>
-      <a:effectRef idx="0">
-        <a:scrgbClr r="0" g="0" b="0"/>
-      </a:effectRef>
-      <a:fontRef idx="minor">
-        <a:schemeClr val="lt1"/>
-      </a:fontRef>
-    </dgm:style>
-  </dgm:styleLbl>
-  <dgm:styleLbl name="sibTrans1D1">
-    <dgm:scene3d>
-      <a:camera prst="orthographicFront"/>
-      <a:lightRig rig="threePt" dir="t"/>
-    </dgm:scene3d>
-    <dgm:sp3d/>
-    <dgm:txPr/>
-    <dgm:style>
-      <a:lnRef idx="1">
-        <a:scrgbClr r="0" g="0" b="0"/>
-      </a:lnRef>
-      <a:fillRef idx="0">
-        <a:scrgbClr r="0" g="0" b="0"/>
-      </a:fillRef>
-      <a:effectRef idx="0">
-        <a:scrgbClr r="0" g="0" b="0"/>
-      </a:effectRef>
-      <a:fontRef idx="minor"/>
-    </dgm:style>
-  </dgm:styleLbl>
-  <dgm:styleLbl name="callout">
-    <dgm:scene3d>
-      <a:camera prst="orthographicFront"/>
-      <a:lightRig rig="threePt" dir="t"/>
-    </dgm:scene3d>
-    <dgm:sp3d/>
-    <dgm:txPr/>
-    <dgm:style>
-      <a:lnRef idx="2">
-        <a:scrgbClr r="0" g="0" b="0"/>
-      </a:lnRef>
-      <a:fillRef idx="1">
-        <a:scrgbClr r="0" g="0" b="0"/>
-      </a:fillRef>
-      <a:effectRef idx="0">
-        <a:scrgbClr r="0" g="0" b="0"/>
-      </a:effectRef>
-      <a:fontRef idx="minor"/>
-    </dgm:style>
-  </dgm:styleLbl>
-  <dgm:styleLbl name="asst0">
-    <dgm:scene3d>
-      <a:camera prst="orthographicFront"/>
-      <a:lightRig rig="threePt" dir="t"/>
-    </dgm:scene3d>
-    <dgm:sp3d/>
-    <dgm:txPr/>
-    <dgm:style>
-      <a:lnRef idx="2">
-        <a:scrgbClr r="0" g="0" b="0"/>
-      </a:lnRef>
-      <a:fillRef idx="1">
-        <a:scrgbClr r="0" g="0" b="0"/>
-      </a:fillRef>
-      <a:effectRef idx="0">
-        <a:scrgbClr r="0" g="0" b="0"/>
-      </a:effectRef>
-      <a:fontRef idx="minor">
-        <a:schemeClr val="lt1"/>
-      </a:fontRef>
-    </dgm:style>
-  </dgm:styleLbl>
-  <dgm:styleLbl name="asst1">
-    <dgm:scene3d>
-      <a:camera prst="orthographicFront"/>
-      <a:lightRig rig="threePt" dir="t"/>
-    </dgm:scene3d>
-    <dgm:sp3d/>
-    <dgm:txPr/>
-    <dgm:style>
-      <a:lnRef idx="2">
-        <a:scrgbClr r="0" g="0" b="0"/>
-      </a:lnRef>
-      <a:fillRef idx="1">
-        <a:scrgbClr r="0" g="0" b="0"/>
-      </a:fillRef>
-      <a:effectRef idx="0">
-        <a:scrgbClr r="0" g="0" b="0"/>
-      </a:effectRef>
-      <a:fontRef idx="minor">
-        <a:schemeClr val="lt1"/>
-      </a:fontRef>
-    </dgm:style>
-  </dgm:styleLbl>
-  <dgm:styleLbl name="asst2">
-    <dgm:scene3d>
-      <a:camera prst="orthographicFront"/>
-      <a:lightRig rig="threePt" dir="t"/>
-    </dgm:scene3d>
-    <dgm:sp3d/>
-    <dgm:txPr/>
-    <dgm:style>
-      <a:lnRef idx="2">
-        <a:scrgbClr r="0" g="0" b="0"/>
-      </a:lnRef>
-      <a:fillRef idx="1">
-        <a:scrgbClr r="0" g="0" b="0"/>
-      </a:fillRef>
-      <a:effectRef idx="0">
-        <a:scrgbClr r="0" g="0" b="0"/>
-      </a:effectRef>
-      <a:fontRef idx="minor">
-        <a:schemeClr val="lt1"/>
-      </a:fontRef>
-    </dgm:style>
-  </dgm:styleLbl>
-  <dgm:styleLbl name="asst3">
-    <dgm:scene3d>
-      <a:camera prst="orthographicFront"/>
-      <a:lightRig rig="threePt" dir="t"/>
-    </dgm:scene3d>
-    <dgm:sp3d/>
-    <dgm:txPr/>
-    <dgm:style>
-      <a:lnRef idx="2">
-        <a:scrgbClr r="0" g="0" b="0"/>
-      </a:lnRef>
-      <a:fillRef idx="1">
-        <a:scrgbClr r="0" g="0" b="0"/>
-      </a:fillRef>
-      <a:effectRef idx="0">
-        <a:scrgbClr r="0" g="0" b="0"/>
-      </a:effectRef>
-      <a:fontRef idx="minor">
-        <a:schemeClr val="lt1"/>
-      </a:fontRef>
-    </dgm:style>
-  </dgm:styleLbl>
-  <dgm:styleLbl name="asst4">
-    <dgm:scene3d>
-      <a:camera prst="orthographicFront"/>
-      <a:lightRig rig="threePt" dir="t"/>
-    </dgm:scene3d>
-    <dgm:sp3d/>
-    <dgm:txPr/>
-    <dgm:style>
-      <a:lnRef idx="2">
-        <a:scrgbClr r="0" g="0" b="0"/>
-      </a:lnRef>
-      <a:fillRef idx="1">
-        <a:scrgbClr r="0" g="0" b="0"/>
-      </a:fillRef>
-      <a:effectRef idx="0">
-        <a:scrgbClr r="0" g="0" b="0"/>
-      </a:effectRef>
-      <a:fontRef idx="minor">
-        <a:schemeClr val="lt1"/>
-      </a:fontRef>
-    </dgm:style>
-  </dgm:styleLbl>
-  <dgm:styleLbl name="parChTrans2D1">
-    <dgm:scene3d>
-      <a:camera prst="orthographicFront"/>
-      <a:lightRig rig="threePt" dir="t"/>
-    </dgm:scene3d>
-    <dgm:sp3d/>
-    <dgm:txPr/>
-    <dgm:style>
-      <a:lnRef idx="2">
-        <a:scrgbClr r="0" g="0" b="0"/>
-      </a:lnRef>
-      <a:fillRef idx="1">
-        <a:scrgbClr r="0" g="0" b="0"/>
-      </a:fillRef>
-      <a:effectRef idx="0">
-        <a:scrgbClr r="0" g="0" b="0"/>
-      </a:effectRef>
-      <a:fontRef idx="minor">
-        <a:schemeClr val="lt1"/>
-      </a:fontRef>
-    </dgm:style>
-  </dgm:styleLbl>
-  <dgm:styleLbl name="parChTrans2D2">
-    <dgm:scene3d>
-      <a:camera prst="orthographicFront"/>
-      <a:lightRig rig="threePt" dir="t"/>
-    </dgm:scene3d>
-    <dgm:sp3d/>
-    <dgm:txPr/>
-    <dgm:style>
-      <a:lnRef idx="2">
-        <a:scrgbClr r="0" g="0" b="0"/>
-      </a:lnRef>
-      <a:fillRef idx="1">
-        <a:scrgbClr r="0" g="0" b="0"/>
-      </a:fillRef>
-      <a:effectRef idx="0">
-        <a:scrgbClr r="0" g="0" b="0"/>
-      </a:effectRef>
-      <a:fontRef idx="minor">
-        <a:schemeClr val="lt1"/>
-      </a:fontRef>
-    </dgm:style>
-  </dgm:styleLbl>
-  <dgm:styleLbl name="parChTrans2D3">
-    <dgm:scene3d>
-      <a:camera prst="orthographicFront"/>
-      <a:lightRig rig="threePt" dir="t"/>
-    </dgm:scene3d>
-    <dgm:sp3d/>
-    <dgm:txPr/>
-    <dgm:style>
-      <a:lnRef idx="2">
-        <a:scrgbClr r="0" g="0" b="0"/>
-      </a:lnRef>
-      <a:fillRef idx="1">
-        <a:scrgbClr r="0" g="0" b="0"/>
-      </a:fillRef>
-      <a:effectRef idx="0">
-        <a:scrgbClr r="0" g="0" b="0"/>
-      </a:effectRef>
-      <a:fontRef idx="minor">
-        <a:schemeClr val="lt1"/>
-      </a:fontRef>
-    </dgm:style>
-  </dgm:styleLbl>
-  <dgm:styleLbl name="parChTrans2D4">
-    <dgm:scene3d>
-      <a:camera prst="orthographicFront"/>
-      <a:lightRig rig="threePt" dir="t"/>
-    </dgm:scene3d>
-    <dgm:sp3d/>
-    <dgm:txPr/>
-    <dgm:style>
-      <a:lnRef idx="2">
-        <a:scrgbClr r="0" g="0" b="0"/>
-      </a:lnRef>
-      <a:fillRef idx="1">
-        <a:scrgbClr r="0" g="0" b="0"/>
-      </a:fillRef>
-      <a:effectRef idx="0">
-        <a:scrgbClr r="0" g="0" b="0"/>
-      </a:effectRef>
-      <a:fontRef idx="minor">
-        <a:schemeClr val="lt1"/>
-      </a:fontRef>
-    </dgm:style>
-  </dgm:styleLbl>
-  <dgm:styleLbl name="parChTrans1D1">
-    <dgm:scene3d>
-      <a:camera prst="orthographicFront"/>
-      <a:lightRig rig="threePt" dir="t"/>
-    </dgm:scene3d>
-    <dgm:sp3d/>
-    <dgm:txPr/>
-    <dgm:style>
-      <a:lnRef idx="2">
-        <a:scrgbClr r="0" g="0" b="0"/>
-      </a:lnRef>
-      <a:fillRef idx="0">
-        <a:scrgbClr r="0" g="0" b="0"/>
-      </a:fillRef>
-      <a:effectRef idx="0">
-        <a:scrgbClr r="0" g="0" b="0"/>
-      </a:effectRef>
-      <a:fontRef idx="minor"/>
-    </dgm:style>
-  </dgm:styleLbl>
-  <dgm:styleLbl name="parChTrans1D2">
-    <dgm:scene3d>
-      <a:camera prst="orthographicFront"/>
-      <a:lightRig rig="threePt" dir="t"/>
-    </dgm:scene3d>
-    <dgm:sp3d/>
-    <dgm:txPr/>
-    <dgm:style>
-      <a:lnRef idx="2">
-        <a:scrgbClr r="0" g="0" b="0"/>
-      </a:lnRef>
-      <a:fillRef idx="0">
-        <a:scrgbClr r="0" g="0" b="0"/>
-      </a:fillRef>
-      <a:effectRef idx="0">
-        <a:scrgbClr r="0" g="0" b="0"/>
-      </a:effectRef>
-      <a:fontRef idx="minor"/>
-    </dgm:style>
-  </dgm:styleLbl>
-  <dgm:styleLbl name="parChTrans1D3">
-    <dgm:scene3d>
-      <a:camera prst="orthographicFront"/>
-      <a:lightRig rig="threePt" dir="t"/>
-    </dgm:scene3d>
-    <dgm:sp3d/>
-    <dgm:txPr/>
-    <dgm:style>
-      <a:lnRef idx="2">
-        <a:scrgbClr r="0" g="0" b="0"/>
-      </a:lnRef>
-      <a:fillRef idx="0">
-        <a:scrgbClr r="0" g="0" b="0"/>
-      </a:fillRef>
-      <a:effectRef idx="0">
-        <a:scrgbClr r="0" g="0" b="0"/>
-      </a:effectRef>
-      <a:fontRef idx="minor"/>
-    </dgm:style>
-  </dgm:styleLbl>
-  <dgm:styleLbl name="parChTrans1D4">
-    <dgm:scene3d>
-      <a:camera prst="orthographicFront"/>
-      <a:lightRig rig="threePt" dir="t"/>
-    </dgm:scene3d>
-    <dgm:sp3d/>
-    <dgm:txPr/>
-    <dgm:style>
-      <a:lnRef idx="2">
-        <a:scrgbClr r="0" g="0" b="0"/>
-      </a:lnRef>
-      <a:fillRef idx="0">
-        <a:scrgbClr r="0" g="0" b="0"/>
-      </a:fillRef>
-      <a:effectRef idx="0">
-        <a:scrgbClr r="0" g="0" b="0"/>
-      </a:effectRef>
-      <a:fontRef idx="minor"/>
-    </dgm:style>
-  </dgm:styleLbl>
-  <dgm:styleLbl name="fgAcc1">
-    <dgm:scene3d>
-      <a:camera prst="orthographicFront"/>
-      <a:lightRig rig="threePt" dir="t"/>
-    </dgm:scene3d>
-    <dgm:sp3d/>
-    <dgm:txPr/>
-    <dgm:style>
-      <a:lnRef idx="2">
-        <a:scrgbClr r="0" g="0" b="0"/>
-      </a:lnRef>
-      <a:fillRef idx="1">
-        <a:scrgbClr r="0" g="0" b="0"/>
-      </a:fillRef>
-      <a:effectRef idx="0">
-        <a:scrgbClr r="0" g="0" b="0"/>
-      </a:effectRef>
-      <a:fontRef idx="minor"/>
-    </dgm:style>
-  </dgm:styleLbl>
-  <dgm:styleLbl name="conFgAcc1">
-    <dgm:scene3d>
-      <a:camera prst="orthographicFront"/>
-      <a:lightRig rig="threePt" dir="t"/>
-    </dgm:scene3d>
-    <dgm:sp3d/>
-    <dgm:txPr/>
-    <dgm:style>
-      <a:lnRef idx="2">
-        <a:scrgbClr r="0" g="0" b="0"/>
-      </a:lnRef>
-      <a:fillRef idx="1">
-        <a:scrgbClr r="0" g="0" b="0"/>
-      </a:fillRef>
-      <a:effectRef idx="0">
-        <a:scrgbClr r="0" g="0" b="0"/>
-      </a:effectRef>
-      <a:fontRef idx="minor"/>
-    </dgm:style>
-  </dgm:styleLbl>
-  <dgm:styleLbl name="alignAcc1">
-    <dgm:scene3d>
-      <a:camera prst="orthographicFront"/>
-      <a:lightRig rig="threePt" dir="t"/>
-    </dgm:scene3d>
-    <dgm:sp3d/>
-    <dgm:txPr/>
-    <dgm:style>
-      <a:lnRef idx="2">
-        <a:scrgbClr r="0" g="0" b="0"/>
-      </a:lnRef>
-      <a:fillRef idx="1">
-        <a:scrgbClr r="0" g="0" b="0"/>
-      </a:fillRef>
-      <a:effectRef idx="0">
-        <a:scrgbClr r="0" g="0" b="0"/>
-      </a:effectRef>
-      <a:fontRef idx="minor"/>
-    </dgm:style>
-  </dgm:styleLbl>
-  <dgm:styleLbl name="trAlignAcc1">
-    <dgm:scene3d>
-      <a:camera prst="orthographicFront"/>
-      <a:lightRig rig="threePt" dir="t"/>
-    </dgm:scene3d>
-    <dgm:sp3d/>
-    <dgm:txPr/>
-    <dgm:style>
-      <a:lnRef idx="1">
-        <a:scrgbClr r="0" g="0" b="0"/>
-      </a:lnRef>
-      <a:fillRef idx="1">
-        <a:scrgbClr r="0" g="0" b="0"/>
-      </a:fillRef>
-      <a:effectRef idx="0">
-        <a:scrgbClr r="0" g="0" b="0"/>
-      </a:effectRef>
-      <a:fontRef idx="minor"/>
-    </dgm:style>
-  </dgm:styleLbl>
-  <dgm:styleLbl name="bgAcc1">
-    <dgm:scene3d>
-      <a:camera prst="orthographicFront"/>
-      <a:lightRig rig="threePt" dir="t"/>
-    </dgm:scene3d>
-    <dgm:sp3d/>
-    <dgm:txPr/>
-    <dgm:style>
-      <a:lnRef idx="2">
-        <a:scrgbClr r="0" g="0" b="0"/>
-      </a:lnRef>
-      <a:fillRef idx="1">
-        <a:scrgbClr r="0" g="0" b="0"/>
-      </a:fillRef>
-      <a:effectRef idx="0">
-        <a:scrgbClr r="0" g="0" b="0"/>
-      </a:effectRef>
-      <a:fontRef idx="minor"/>
-    </dgm:style>
-  </dgm:styleLbl>
-  <dgm:styleLbl name="solidFgAcc1">
-    <dgm:scene3d>
-      <a:camera prst="orthographicFront"/>
-      <a:lightRig rig="threePt" dir="t"/>
-    </dgm:scene3d>
-    <dgm:sp3d/>
-    <dgm:txPr/>
-    <dgm:style>
-      <a:lnRef idx="2">
-        <a:scrgbClr r="0" g="0" b="0"/>
-      </a:lnRef>
-      <a:fillRef idx="1">
-        <a:scrgbClr r="0" g="0" b="0"/>
-      </a:fillRef>
-      <a:effectRef idx="0">
-        <a:scrgbClr r="0" g="0" b="0"/>
-      </a:effectRef>
-      <a:fontRef idx="minor"/>
-    </dgm:style>
-  </dgm:styleLbl>
-  <dgm:styleLbl name="solidAlignAcc1">
-    <dgm:scene3d>
-      <a:camera prst="orthographicFront"/>
-      <a:lightRig rig="threePt" dir="t"/>
-    </dgm:scene3d>
-    <dgm:sp3d/>
-    <dgm:txPr/>
-    <dgm:style>
-      <a:lnRef idx="2">
-        <a:scrgbClr r="0" g="0" b="0"/>
-      </a:lnRef>
-      <a:fillRef idx="1">
-        <a:scrgbClr r="0" g="0" b="0"/>
-      </a:fillRef>
-      <a:effectRef idx="0">
-        <a:scrgbClr r="0" g="0" b="0"/>
-      </a:effectRef>
-      <a:fontRef idx="minor"/>
-    </dgm:style>
-  </dgm:styleLbl>
-  <dgm:styleLbl name="solidBgAcc1">
-    <dgm:scene3d>
-      <a:camera prst="orthographicFront"/>
-      <a:lightRig rig="threePt" dir="t"/>
-    </dgm:scene3d>
-    <dgm:sp3d/>
-    <dgm:txPr/>
-    <dgm:style>
-      <a:lnRef idx="2">
-        <a:scrgbClr r="0" g="0" b="0"/>
-      </a:lnRef>
-      <a:fillRef idx="1">
-        <a:scrgbClr r="0" g="0" b="0"/>
-      </a:fillRef>
-      <a:effectRef idx="0">
-        <a:scrgbClr r="0" g="0" b="0"/>
-      </a:effectRef>
-      <a:fontRef idx="minor"/>
-    </dgm:style>
-  </dgm:styleLbl>
-  <dgm:styleLbl name="fgAccFollowNode1">
-    <dgm:scene3d>
-      <a:camera prst="orthographicFront"/>
-      <a:lightRig rig="threePt" dir="t"/>
-    </dgm:scene3d>
-    <dgm:sp3d/>
-    <dgm:txPr/>
-    <dgm:style>
-      <a:lnRef idx="2">
-        <a:scrgbClr r="0" g="0" b="0"/>
-      </a:lnRef>
-      <a:fillRef idx="1">
-        <a:scrgbClr r="0" g="0" b="0"/>
-      </a:fillRef>
-      <a:effectRef idx="0">
-        <a:scrgbClr r="0" g="0" b="0"/>
-      </a:effectRef>
-      <a:fontRef idx="minor"/>
-    </dgm:style>
-  </dgm:styleLbl>
-  <dgm:styleLbl name="alignAccFollowNode1">
-    <dgm:scene3d>
-      <a:camera prst="orthographicFront"/>
-      <a:lightRig rig="threePt" dir="t"/>
-    </dgm:scene3d>
-    <dgm:sp3d/>
-    <dgm:txPr/>
-    <dgm:style>
-      <a:lnRef idx="2">
-        <a:scrgbClr r="0" g="0" b="0"/>
-      </a:lnRef>
-      <a:fillRef idx="1">
-        <a:scrgbClr r="0" g="0" b="0"/>
-      </a:fillRef>
-      <a:effectRef idx="0">
-        <a:scrgbClr r="0" g="0" b="0"/>
-      </a:effectRef>
-      <a:fontRef idx="minor"/>
-    </dgm:style>
-  </dgm:styleLbl>
-  <dgm:styleLbl name="bgAccFollowNode1">
-    <dgm:scene3d>
-      <a:camera prst="orthographicFront"/>
-      <a:lightRig rig="threePt" dir="t"/>
-    </dgm:scene3d>
-    <dgm:sp3d/>
-    <dgm:txPr/>
-    <dgm:style>
-      <a:lnRef idx="2">
-        <a:scrgbClr r="0" g="0" b="0"/>
-      </a:lnRef>
-      <a:fillRef idx="1">
-        <a:scrgbClr r="0" g="0" b="0"/>
-      </a:fillRef>
-      <a:effectRef idx="0">
-        <a:scrgbClr r="0" g="0" b="0"/>
-      </a:effectRef>
-      <a:fontRef idx="minor"/>
-    </dgm:style>
-  </dgm:styleLbl>
-  <dgm:styleLbl name="fgAcc0">
-    <dgm:scene3d>
-      <a:camera prst="orthographicFront"/>
-      <a:lightRig rig="threePt" dir="t"/>
-    </dgm:scene3d>
-    <dgm:sp3d/>
-    <dgm:txPr/>
-    <dgm:style>
-      <a:lnRef idx="2">
-        <a:scrgbClr r="0" g="0" b="0"/>
-      </a:lnRef>
-      <a:fillRef idx="1">
-        <a:scrgbClr r="0" g="0" b="0"/>
-      </a:fillRef>
-      <a:effectRef idx="0">
-        <a:scrgbClr r="0" g="0" b="0"/>
-      </a:effectRef>
-      <a:fontRef idx="minor"/>
-    </dgm:style>
-  </dgm:styleLbl>
-  <dgm:styleLbl name="fgAcc2">
-    <dgm:scene3d>
-      <a:camera prst="orthographicFront"/>
-      <a:lightRig rig="threePt" dir="t"/>
-    </dgm:scene3d>
-    <dgm:sp3d/>
-    <dgm:txPr/>
-    <dgm:style>
-      <a:lnRef idx="2">
-        <a:scrgbClr r="0" g="0" b="0"/>
-      </a:lnRef>
-      <a:fillRef idx="1">
-        <a:scrgbClr r="0" g="0" b="0"/>
-      </a:fillRef>
-      <a:effectRef idx="0">
-        <a:scrgbClr r="0" g="0" b="0"/>
-      </a:effectRef>
-      <a:fontRef idx="minor"/>
-    </dgm:style>
-  </dgm:styleLbl>
-  <dgm:styleLbl name="fgAcc3">
-    <dgm:scene3d>
-      <a:camera prst="orthographicFront"/>
-      <a:lightRig rig="threePt" dir="t"/>
-    </dgm:scene3d>
-    <dgm:sp3d/>
-    <dgm:txPr/>
-    <dgm:style>
-      <a:lnRef idx="2">
-        <a:scrgbClr r="0" g="0" b="0"/>
-      </a:lnRef>
-      <a:fillRef idx="1">
-        <a:scrgbClr r="0" g="0" b="0"/>
-      </a:fillRef>
-      <a:effectRef idx="0">
-        <a:scrgbClr r="0" g="0" b="0"/>
-      </a:effectRef>
-      <a:fontRef idx="minor"/>
-    </dgm:style>
-  </dgm:styleLbl>
-  <dgm:styleLbl name="fgAcc4">
-    <dgm:scene3d>
-      <a:camera prst="orthographicFront"/>
-      <a:lightRig rig="threePt" dir="t"/>
-    </dgm:scene3d>
-    <dgm:sp3d/>
-    <dgm:txPr/>
-    <dgm:style>
-      <a:lnRef idx="2">
-        <a:scrgbClr r="0" g="0" b="0"/>
-      </a:lnRef>
-      <a:fillRef idx="1">
-        <a:scrgbClr r="0" g="0" b="0"/>
-      </a:fillRef>
-      <a:effectRef idx="0">
-        <a:scrgbClr r="0" g="0" b="0"/>
-      </a:effectRef>
-      <a:fontRef idx="minor"/>
-    </dgm:style>
-  </dgm:styleLbl>
-  <dgm:styleLbl name="bgShp">
-    <dgm:scene3d>
-      <a:camera prst="orthographicFront"/>
-      <a:lightRig rig="threePt" dir="t"/>
-    </dgm:scene3d>
-    <dgm:sp3d/>
-    <dgm:txPr/>
-    <dgm:style>
-      <a:lnRef idx="0">
-        <a:scrgbClr r="0" g="0" b="0"/>
-      </a:lnRef>
-      <a:fillRef idx="1">
-        <a:scrgbClr r="0" g="0" b="0"/>
-      </a:fillRef>
-      <a:effectRef idx="0">
-        <a:scrgbClr r="0" g="0" b="0"/>
-      </a:effectRef>
-      <a:fontRef idx="minor"/>
-    </dgm:style>
-  </dgm:styleLbl>
-  <dgm:styleLbl name="dkBgShp">
-    <dgm:scene3d>
-      <a:camera prst="orthographicFront"/>
-      <a:lightRig rig="threePt" dir="t"/>
-    </dgm:scene3d>
-    <dgm:sp3d/>
-    <dgm:txPr/>
-    <dgm:style>
-      <a:lnRef idx="0">
-        <a:scrgbClr r="0" g="0" b="0"/>
-      </a:lnRef>
-      <a:fillRef idx="1">
-        <a:scrgbClr r="0" g="0" b="0"/>
-      </a:fillRef>
-      <a:effectRef idx="0">
-        <a:scrgbClr r="0" g="0" b="0"/>
-      </a:effectRef>
-      <a:fontRef idx="minor"/>
-    </dgm:style>
-  </dgm:styleLbl>
-  <dgm:styleLbl name="trBgShp">
-    <dgm:scene3d>
-      <a:camera prst="orthographicFront"/>
-      <a:lightRig rig="threePt" dir="t"/>
-    </dgm:scene3d>
-    <dgm:sp3d/>
-    <dgm:txPr/>
-    <dgm:style>
-      <a:lnRef idx="0">
-        <a:scrgbClr r="0" g="0" b="0"/>
-      </a:lnRef>
-      <a:fillRef idx="1">
-        <a:scrgbClr r="0" g="0" b="0"/>
-      </a:fillRef>
-      <a:effectRef idx="0">
-        <a:scrgbClr r="0" g="0" b="0"/>
-      </a:effectRef>
-      <a:fontRef idx="minor"/>
-    </dgm:style>
-  </dgm:styleLbl>
-  <dgm:styleLbl name="fgShp">
-    <dgm:scene3d>
-      <a:camera prst="orthographicFront"/>
-      <a:lightRig rig="threePt" dir="t"/>
-    </dgm:scene3d>
-    <dgm:sp3d/>
-    <dgm:txPr/>
-    <dgm:style>
-      <a:lnRef idx="2">
-        <a:scrgbClr r="0" g="0" b="0"/>
-      </a:lnRef>
-      <a:fillRef idx="1">
-        <a:scrgbClr r="0" g="0" b="0"/>
-      </a:fillRef>
-      <a:effectRef idx="0">
         <a:scrgbClr r="0" g="0" b="0"/>
       </a:effectRef>
       <a:fontRef idx="minor"/>
@@ -5556,7 +5773,7 @@
             <a:fld id="{7268BF31-A77F-443C-AB26-8730B613B8C5}" type="datetimeFigureOut">
               <a:rPr lang="id-ID" smtClean="0"/>
               <a:pPr/>
-              <a:t>14/11/2014</a:t>
+              <a:t>18/11/2014</a:t>
             </a:fld>
             <a:endParaRPr lang="id-ID" dirty="0"/>
           </a:p>
@@ -9379,6 +9596,81 @@
   <p:clrMapOvr>
     <a:masterClrMapping/>
   </p:clrMapOvr>
+  <p:timing>
+    <p:tnLst>
+      <p:par>
+        <p:cTn id="1" dur="indefinite" restart="never" nodeType="tmRoot">
+          <p:childTnLst>
+            <p:seq concurrent="1" nextAc="seek">
+              <p:cTn id="2" dur="indefinite" nodeType="mainSeq">
+                <p:childTnLst>
+                  <p:par>
+                    <p:cTn id="3" fill="hold">
+                      <p:stCondLst>
+                        <p:cond delay="indefinite"/>
+                      </p:stCondLst>
+                      <p:childTnLst>
+                        <p:par>
+                          <p:cTn id="4" fill="hold">
+                            <p:stCondLst>
+                              <p:cond delay="0"/>
+                            </p:stCondLst>
+                            <p:childTnLst>
+                              <p:par>
+                                <p:cTn id="5" presetID="1" presetClass="entr" presetSubtype="0" fill="hold" nodeType="clickEffect">
+                                  <p:stCondLst>
+                                    <p:cond delay="0"/>
+                                  </p:stCondLst>
+                                  <p:childTnLst>
+                                    <p:set>
+                                      <p:cBhvr>
+                                        <p:cTn id="6" dur="1" fill="hold">
+                                          <p:stCondLst>
+                                            <p:cond delay="0"/>
+                                          </p:stCondLst>
+                                        </p:cTn>
+                                        <p:tgtEl>
+                                          <p:spTgt spid="11"/>
+                                        </p:tgtEl>
+                                        <p:attrNameLst>
+                                          <p:attrName>style.visibility</p:attrName>
+                                        </p:attrNameLst>
+                                      </p:cBhvr>
+                                      <p:to>
+                                        <p:strVal val="visible"/>
+                                      </p:to>
+                                    </p:set>
+                                  </p:childTnLst>
+                                </p:cTn>
+                              </p:par>
+                            </p:childTnLst>
+                          </p:cTn>
+                        </p:par>
+                      </p:childTnLst>
+                    </p:cTn>
+                  </p:par>
+                </p:childTnLst>
+              </p:cTn>
+              <p:prevCondLst>
+                <p:cond evt="onPrev" delay="0">
+                  <p:tgtEl>
+                    <p:sldTgt/>
+                  </p:tgtEl>
+                </p:cond>
+              </p:prevCondLst>
+              <p:nextCondLst>
+                <p:cond evt="onNext" delay="0">
+                  <p:tgtEl>
+                    <p:sldTgt/>
+                  </p:tgtEl>
+                </p:cond>
+              </p:nextCondLst>
+            </p:seq>
+          </p:childTnLst>
+        </p:cTn>
+      </p:par>
+    </p:tnLst>
+  </p:timing>
 </p:sld>
 </file>
 
@@ -9533,6 +9825,186 @@
   <p:clrMapOvr>
     <a:masterClrMapping/>
   </p:clrMapOvr>
+  <p:timing>
+    <p:tnLst>
+      <p:par>
+        <p:cTn id="1" dur="indefinite" restart="never" nodeType="tmRoot">
+          <p:childTnLst>
+            <p:seq concurrent="1" nextAc="seek">
+              <p:cTn id="2" dur="indefinite" nodeType="mainSeq">
+                <p:childTnLst>
+                  <p:par>
+                    <p:cTn id="3" fill="hold">
+                      <p:stCondLst>
+                        <p:cond delay="indefinite"/>
+                      </p:stCondLst>
+                      <p:childTnLst>
+                        <p:par>
+                          <p:cTn id="4" fill="hold">
+                            <p:stCondLst>
+                              <p:cond delay="0"/>
+                            </p:stCondLst>
+                            <p:childTnLst>
+                              <p:par>
+                                <p:cTn id="5" presetID="1" presetClass="entr" presetSubtype="0" fill="hold" grpId="0" nodeType="clickEffect">
+                                  <p:stCondLst>
+                                    <p:cond delay="0"/>
+                                  </p:stCondLst>
+                                  <p:childTnLst>
+                                    <p:set>
+                                      <p:cBhvr>
+                                        <p:cTn id="6" dur="1" fill="hold">
+                                          <p:stCondLst>
+                                            <p:cond delay="0"/>
+                                          </p:stCondLst>
+                                        </p:cTn>
+                                        <p:tgtEl>
+                                          <p:spTgt spid="7">
+                                            <p:txEl>
+                                              <p:pRg st="0" end="0"/>
+                                            </p:txEl>
+                                          </p:spTgt>
+                                        </p:tgtEl>
+                                        <p:attrNameLst>
+                                          <p:attrName>style.visibility</p:attrName>
+                                        </p:attrNameLst>
+                                      </p:cBhvr>
+                                      <p:to>
+                                        <p:strVal val="visible"/>
+                                      </p:to>
+                                    </p:set>
+                                  </p:childTnLst>
+                                </p:cTn>
+                              </p:par>
+                            </p:childTnLst>
+                          </p:cTn>
+                        </p:par>
+                      </p:childTnLst>
+                    </p:cTn>
+                  </p:par>
+                  <p:par>
+                    <p:cTn id="7" fill="hold">
+                      <p:stCondLst>
+                        <p:cond delay="indefinite"/>
+                      </p:stCondLst>
+                      <p:childTnLst>
+                        <p:par>
+                          <p:cTn id="8" fill="hold">
+                            <p:stCondLst>
+                              <p:cond delay="0"/>
+                            </p:stCondLst>
+                            <p:childTnLst>
+                              <p:par>
+                                <p:cTn id="9" presetID="1" presetClass="entr" presetSubtype="0" fill="hold" grpId="0" nodeType="clickEffect">
+                                  <p:stCondLst>
+                                    <p:cond delay="0"/>
+                                  </p:stCondLst>
+                                  <p:childTnLst>
+                                    <p:set>
+                                      <p:cBhvr>
+                                        <p:cTn id="10" dur="1" fill="hold">
+                                          <p:stCondLst>
+                                            <p:cond delay="0"/>
+                                          </p:stCondLst>
+                                        </p:cTn>
+                                        <p:tgtEl>
+                                          <p:spTgt spid="7">
+                                            <p:txEl>
+                                              <p:pRg st="1" end="1"/>
+                                            </p:txEl>
+                                          </p:spTgt>
+                                        </p:tgtEl>
+                                        <p:attrNameLst>
+                                          <p:attrName>style.visibility</p:attrName>
+                                        </p:attrNameLst>
+                                      </p:cBhvr>
+                                      <p:to>
+                                        <p:strVal val="visible"/>
+                                      </p:to>
+                                    </p:set>
+                                  </p:childTnLst>
+                                </p:cTn>
+                              </p:par>
+                            </p:childTnLst>
+                          </p:cTn>
+                        </p:par>
+                      </p:childTnLst>
+                    </p:cTn>
+                  </p:par>
+                  <p:par>
+                    <p:cTn id="11" fill="hold">
+                      <p:stCondLst>
+                        <p:cond delay="indefinite"/>
+                      </p:stCondLst>
+                      <p:childTnLst>
+                        <p:par>
+                          <p:cTn id="12" fill="hold">
+                            <p:stCondLst>
+                              <p:cond delay="0"/>
+                            </p:stCondLst>
+                            <p:childTnLst>
+                              <p:par>
+                                <p:cTn id="13" presetID="1" presetClass="entr" presetSubtype="0" fill="hold" grpId="0" nodeType="clickEffect">
+                                  <p:stCondLst>
+                                    <p:cond delay="0"/>
+                                  </p:stCondLst>
+                                  <p:childTnLst>
+                                    <p:set>
+                                      <p:cBhvr>
+                                        <p:cTn id="14" dur="1" fill="hold">
+                                          <p:stCondLst>
+                                            <p:cond delay="0"/>
+                                          </p:stCondLst>
+                                        </p:cTn>
+                                        <p:tgtEl>
+                                          <p:spTgt spid="7">
+                                            <p:txEl>
+                                              <p:pRg st="2" end="2"/>
+                                            </p:txEl>
+                                          </p:spTgt>
+                                        </p:tgtEl>
+                                        <p:attrNameLst>
+                                          <p:attrName>style.visibility</p:attrName>
+                                        </p:attrNameLst>
+                                      </p:cBhvr>
+                                      <p:to>
+                                        <p:strVal val="visible"/>
+                                      </p:to>
+                                    </p:set>
+                                  </p:childTnLst>
+                                </p:cTn>
+                              </p:par>
+                            </p:childTnLst>
+                          </p:cTn>
+                        </p:par>
+                      </p:childTnLst>
+                    </p:cTn>
+                  </p:par>
+                </p:childTnLst>
+              </p:cTn>
+              <p:prevCondLst>
+                <p:cond evt="onPrev" delay="0">
+                  <p:tgtEl>
+                    <p:sldTgt/>
+                  </p:tgtEl>
+                </p:cond>
+              </p:prevCondLst>
+              <p:nextCondLst>
+                <p:cond evt="onNext" delay="0">
+                  <p:tgtEl>
+                    <p:sldTgt/>
+                  </p:tgtEl>
+                </p:cond>
+              </p:nextCondLst>
+            </p:seq>
+          </p:childTnLst>
+        </p:cTn>
+      </p:par>
+    </p:tnLst>
+    <p:bldLst>
+      <p:bldP spid="7" grpId="0" build="p"/>
+    </p:bldLst>
+  </p:timing>
 </p:sld>
 </file>
 
@@ -9591,9 +10063,8 @@
           <a:bodyPr/>
           <a:lstStyle/>
           <a:p>
-            <a:pPr marL="514350" indent="-514350">
-              <a:buFont typeface="+mj-lt"/>
-              <a:buAutoNum type="arabicPeriod"/>
+            <a:pPr marL="0" indent="0">
+              <a:buNone/>
             </a:pPr>
             <a:r>
               <a:rPr lang="en-US" dirty="0"/>
@@ -9707,6 +10178,88 @@
   <p:clrMapOvr>
     <a:masterClrMapping/>
   </p:clrMapOvr>
+  <p:timing>
+    <p:tnLst>
+      <p:par>
+        <p:cTn id="1" dur="indefinite" restart="never" nodeType="tmRoot">
+          <p:childTnLst>
+            <p:seq concurrent="1" nextAc="seek">
+              <p:cTn id="2" dur="indefinite" nodeType="mainSeq">
+                <p:childTnLst>
+                  <p:par>
+                    <p:cTn id="3" fill="hold">
+                      <p:stCondLst>
+                        <p:cond delay="indefinite"/>
+                      </p:stCondLst>
+                      <p:childTnLst>
+                        <p:par>
+                          <p:cTn id="4" fill="hold">
+                            <p:stCondLst>
+                              <p:cond delay="0"/>
+                            </p:stCondLst>
+                            <p:childTnLst>
+                              <p:par>
+                                <p:cTn id="5" presetID="1" presetClass="entr" presetSubtype="0" fill="hold" grpId="0" nodeType="clickEffect">
+                                  <p:stCondLst>
+                                    <p:cond delay="0"/>
+                                  </p:stCondLst>
+                                  <p:childTnLst>
+                                    <p:set>
+                                      <p:cBhvr>
+                                        <p:cTn id="6" dur="1" fill="hold">
+                                          <p:stCondLst>
+                                            <p:cond delay="0"/>
+                                          </p:stCondLst>
+                                        </p:cTn>
+                                        <p:tgtEl>
+                                          <p:spTgt spid="8">
+                                            <p:txEl>
+                                              <p:pRg st="0" end="0"/>
+                                            </p:txEl>
+                                          </p:spTgt>
+                                        </p:tgtEl>
+                                        <p:attrNameLst>
+                                          <p:attrName>style.visibility</p:attrName>
+                                        </p:attrNameLst>
+                                      </p:cBhvr>
+                                      <p:to>
+                                        <p:strVal val="visible"/>
+                                      </p:to>
+                                    </p:set>
+                                  </p:childTnLst>
+                                </p:cTn>
+                              </p:par>
+                            </p:childTnLst>
+                          </p:cTn>
+                        </p:par>
+                      </p:childTnLst>
+                    </p:cTn>
+                  </p:par>
+                </p:childTnLst>
+              </p:cTn>
+              <p:prevCondLst>
+                <p:cond evt="onPrev" delay="0">
+                  <p:tgtEl>
+                    <p:sldTgt/>
+                  </p:tgtEl>
+                </p:cond>
+              </p:prevCondLst>
+              <p:nextCondLst>
+                <p:cond evt="onNext" delay="0">
+                  <p:tgtEl>
+                    <p:sldTgt/>
+                  </p:tgtEl>
+                </p:cond>
+              </p:nextCondLst>
+            </p:seq>
+          </p:childTnLst>
+        </p:cTn>
+      </p:par>
+    </p:tnLst>
+    <p:bldLst>
+      <p:bldP spid="8" grpId="0" build="p"/>
+    </p:bldLst>
+  </p:timing>
 </p:sld>
 </file>
 
@@ -9826,7 +10379,7 @@
             <p:ph idx="1"/>
             <p:extLst>
               <p:ext uri="{D42A27DB-BD31-4B8C-83A1-F6EECF244321}">
-                <p14:modId xmlns:p14="http://schemas.microsoft.com/office/powerpoint/2010/main" val="903085912"/>
+                <p14:modId xmlns:p14="http://schemas.microsoft.com/office/powerpoint/2010/main" val="915910570"/>
               </p:ext>
             </p:extLst>
           </p:nvPr>
@@ -9851,6 +10404,13 @@
   <p:clrMapOvr>
     <a:masterClrMapping/>
   </p:clrMapOvr>
+  <p:timing>
+    <p:tnLst>
+      <p:par>
+        <p:cTn id="1" dur="indefinite" restart="never" nodeType="tmRoot"/>
+      </p:par>
+    </p:tnLst>
+  </p:timing>
 </p:sld>
 </file>
 
@@ -9904,7 +10464,7 @@
             <p:ph idx="1"/>
             <p:extLst>
               <p:ext uri="{D42A27DB-BD31-4B8C-83A1-F6EECF244321}">
-                <p14:modId xmlns:p14="http://schemas.microsoft.com/office/powerpoint/2010/main" val="2250531005"/>
+                <p14:modId xmlns:p14="http://schemas.microsoft.com/office/powerpoint/2010/main" val="1419461301"/>
               </p:ext>
             </p:extLst>
           </p:nvPr>
@@ -9934,10 +10494,18 @@
                     <a:p>
                       <a:pPr algn="ctr"/>
                       <a:r>
-                        <a:rPr lang="en-US" dirty="0" smtClean="0"/>
+                        <a:rPr lang="en-US" dirty="0" smtClean="0">
+                          <a:solidFill>
+                            <a:schemeClr val="tx1"/>
+                          </a:solidFill>
+                        </a:rPr>
                         <a:t>Work Package</a:t>
                       </a:r>
-                      <a:endParaRPr lang="en-US" dirty="0"/>
+                      <a:endParaRPr lang="en-US" dirty="0">
+                        <a:solidFill>
+                          <a:schemeClr val="tx1"/>
+                        </a:solidFill>
+                      </a:endParaRPr>
                     </a:p>
                   </a:txBody>
                   <a:tcPr anchor="ctr"/>
@@ -9949,10 +10517,18 @@
                     <a:p>
                       <a:pPr algn="ctr"/>
                       <a:r>
-                        <a:rPr lang="en-US" dirty="0" smtClean="0"/>
+                        <a:rPr lang="en-US" dirty="0" smtClean="0">
+                          <a:solidFill>
+                            <a:schemeClr val="tx1"/>
+                          </a:solidFill>
+                        </a:rPr>
                         <a:t>Activities</a:t>
                       </a:r>
-                      <a:endParaRPr lang="en-US" dirty="0"/>
+                      <a:endParaRPr lang="en-US" dirty="0">
+                        <a:solidFill>
+                          <a:schemeClr val="tx1"/>
+                        </a:solidFill>
+                      </a:endParaRPr>
                     </a:p>
                   </a:txBody>
                   <a:tcPr anchor="ctr"/>
@@ -9964,10 +10540,18 @@
                     <a:p>
                       <a:pPr algn="ctr"/>
                       <a:r>
-                        <a:rPr lang="en-US" dirty="0" smtClean="0"/>
+                        <a:rPr lang="en-US" dirty="0" smtClean="0">
+                          <a:solidFill>
+                            <a:schemeClr val="tx1"/>
+                          </a:solidFill>
+                        </a:rPr>
                         <a:t>Deliverables</a:t>
                       </a:r>
-                      <a:endParaRPr lang="en-US" dirty="0"/>
+                      <a:endParaRPr lang="en-US" dirty="0">
+                        <a:solidFill>
+                          <a:schemeClr val="tx1"/>
+                        </a:solidFill>
+                      </a:endParaRPr>
                     </a:p>
                   </a:txBody>
                   <a:tcPr anchor="ctr"/>
@@ -9979,10 +10563,18 @@
                     <a:p>
                       <a:pPr algn="ctr"/>
                       <a:r>
-                        <a:rPr lang="en-US" dirty="0" smtClean="0"/>
+                        <a:rPr lang="en-US" dirty="0" smtClean="0">
+                          <a:solidFill>
+                            <a:schemeClr val="tx1"/>
+                          </a:solidFill>
+                        </a:rPr>
                         <a:t>Encoder</a:t>
                       </a:r>
-                      <a:endParaRPr lang="en-US" dirty="0"/>
+                      <a:endParaRPr lang="en-US" dirty="0">
+                        <a:solidFill>
+                          <a:schemeClr val="tx1"/>
+                        </a:solidFill>
+                      </a:endParaRPr>
                     </a:p>
                   </a:txBody>
                   <a:tcPr anchor="ctr"/>
@@ -9994,14 +10586,26 @@
                     <a:p>
                       <a:pPr algn="ctr"/>
                       <a:r>
-                        <a:rPr lang="en-US" dirty="0" smtClean="0"/>
+                        <a:rPr lang="en-US" dirty="0" smtClean="0">
+                          <a:solidFill>
+                            <a:schemeClr val="tx1"/>
+                          </a:solidFill>
+                        </a:rPr>
                         <a:t>Encryptor</a:t>
                       </a:r>
                       <a:r>
-                        <a:rPr lang="en-US" baseline="0" dirty="0" smtClean="0"/>
+                        <a:rPr lang="en-US" baseline="0" dirty="0" smtClean="0">
+                          <a:solidFill>
+                            <a:schemeClr val="tx1"/>
+                          </a:solidFill>
+                        </a:rPr>
                         <a:t> and Modulator*</a:t>
                       </a:r>
-                      <a:endParaRPr lang="en-US" dirty="0"/>
+                      <a:endParaRPr lang="en-US" dirty="0">
+                        <a:solidFill>
+                          <a:schemeClr val="tx1"/>
+                        </a:solidFill>
+                      </a:endParaRPr>
                     </a:p>
                   </a:txBody>
                   <a:tcPr anchor="ctr"/>
@@ -10511,6 +11115,81 @@
   <p:clrMapOvr>
     <a:masterClrMapping/>
   </p:clrMapOvr>
+  <p:timing>
+    <p:tnLst>
+      <p:par>
+        <p:cTn id="1" dur="indefinite" restart="never" nodeType="tmRoot">
+          <p:childTnLst>
+            <p:seq concurrent="1" nextAc="seek">
+              <p:cTn id="2" dur="indefinite" nodeType="mainSeq">
+                <p:childTnLst>
+                  <p:par>
+                    <p:cTn id="3" fill="hold">
+                      <p:stCondLst>
+                        <p:cond delay="indefinite"/>
+                      </p:stCondLst>
+                      <p:childTnLst>
+                        <p:par>
+                          <p:cTn id="4" fill="hold">
+                            <p:stCondLst>
+                              <p:cond delay="0"/>
+                            </p:stCondLst>
+                            <p:childTnLst>
+                              <p:par>
+                                <p:cTn id="5" presetID="1" presetClass="entr" presetSubtype="0" fill="hold" nodeType="clickEffect">
+                                  <p:stCondLst>
+                                    <p:cond delay="0"/>
+                                  </p:stCondLst>
+                                  <p:childTnLst>
+                                    <p:set>
+                                      <p:cBhvr>
+                                        <p:cTn id="6" dur="1" fill="hold">
+                                          <p:stCondLst>
+                                            <p:cond delay="0"/>
+                                          </p:stCondLst>
+                                        </p:cTn>
+                                        <p:tgtEl>
+                                          <p:spTgt spid="7"/>
+                                        </p:tgtEl>
+                                        <p:attrNameLst>
+                                          <p:attrName>style.visibility</p:attrName>
+                                        </p:attrNameLst>
+                                      </p:cBhvr>
+                                      <p:to>
+                                        <p:strVal val="visible"/>
+                                      </p:to>
+                                    </p:set>
+                                  </p:childTnLst>
+                                </p:cTn>
+                              </p:par>
+                            </p:childTnLst>
+                          </p:cTn>
+                        </p:par>
+                      </p:childTnLst>
+                    </p:cTn>
+                  </p:par>
+                </p:childTnLst>
+              </p:cTn>
+              <p:prevCondLst>
+                <p:cond evt="onPrev" delay="0">
+                  <p:tgtEl>
+                    <p:sldTgt/>
+                  </p:tgtEl>
+                </p:cond>
+              </p:prevCondLst>
+              <p:nextCondLst>
+                <p:cond evt="onNext" delay="0">
+                  <p:tgtEl>
+                    <p:sldTgt/>
+                  </p:tgtEl>
+                </p:cond>
+              </p:nextCondLst>
+            </p:seq>
+          </p:childTnLst>
+        </p:cTn>
+      </p:par>
+    </p:tnLst>
+  </p:timing>
 </p:sld>
 </file>
 
@@ -10649,6 +11328,13 @@
   <p:clrMapOvr>
     <a:masterClrMapping/>
   </p:clrMapOvr>
+  <p:timing>
+    <p:tnLst>
+      <p:par>
+        <p:cTn id="1" dur="indefinite" restart="never" nodeType="tmRoot"/>
+      </p:par>
+    </p:tnLst>
+  </p:timing>
 </p:sld>
 </file>
 
@@ -10717,7 +11403,6 @@
               <a:rPr lang="en-US" dirty="0" smtClean="0"/>
               <a:t>Development Plan</a:t>
             </a:r>
-            <a:endParaRPr lang="en-US" dirty="0" smtClean="0"/>
           </a:p>
           <a:p>
             <a:r>
@@ -10807,9 +11492,182 @@
   <p:timing>
     <p:tnLst>
       <p:par>
-        <p:cTn id="1" dur="indefinite" restart="never" nodeType="tmRoot"/>
+        <p:cTn id="1" dur="indefinite" restart="never" nodeType="tmRoot">
+          <p:childTnLst>
+            <p:seq concurrent="1" nextAc="seek">
+              <p:cTn id="2" dur="indefinite" nodeType="mainSeq">
+                <p:childTnLst>
+                  <p:par>
+                    <p:cTn id="3" fill="hold">
+                      <p:stCondLst>
+                        <p:cond delay="indefinite"/>
+                      </p:stCondLst>
+                      <p:childTnLst>
+                        <p:par>
+                          <p:cTn id="4" fill="hold">
+                            <p:stCondLst>
+                              <p:cond delay="0"/>
+                            </p:stCondLst>
+                            <p:childTnLst>
+                              <p:par>
+                                <p:cTn id="5" presetID="1" presetClass="entr" presetSubtype="0" fill="hold" grpId="0" nodeType="clickEffect">
+                                  <p:stCondLst>
+                                    <p:cond delay="0"/>
+                                  </p:stCondLst>
+                                  <p:childTnLst>
+                                    <p:set>
+                                      <p:cBhvr>
+                                        <p:cTn id="6" dur="1" fill="hold">
+                                          <p:stCondLst>
+                                            <p:cond delay="0"/>
+                                          </p:stCondLst>
+                                        </p:cTn>
+                                        <p:tgtEl>
+                                          <p:spTgt spid="8">
+                                            <p:txEl>
+                                              <p:pRg st="0" end="0"/>
+                                            </p:txEl>
+                                          </p:spTgt>
+                                        </p:tgtEl>
+                                        <p:attrNameLst>
+                                          <p:attrName>style.visibility</p:attrName>
+                                        </p:attrNameLst>
+                                      </p:cBhvr>
+                                      <p:to>
+                                        <p:strVal val="visible"/>
+                                      </p:to>
+                                    </p:set>
+                                  </p:childTnLst>
+                                </p:cTn>
+                              </p:par>
+                            </p:childTnLst>
+                          </p:cTn>
+                        </p:par>
+                      </p:childTnLst>
+                    </p:cTn>
+                  </p:par>
+                  <p:par>
+                    <p:cTn id="7" fill="hold">
+                      <p:stCondLst>
+                        <p:cond delay="indefinite"/>
+                      </p:stCondLst>
+                      <p:childTnLst>
+                        <p:par>
+                          <p:cTn id="8" fill="hold">
+                            <p:stCondLst>
+                              <p:cond delay="0"/>
+                            </p:stCondLst>
+                            <p:childTnLst>
+                              <p:par>
+                                <p:cTn id="9" presetID="1" presetClass="entr" presetSubtype="0" fill="hold" grpId="0" nodeType="clickEffect">
+                                  <p:stCondLst>
+                                    <p:cond delay="0"/>
+                                  </p:stCondLst>
+                                  <p:childTnLst>
+                                    <p:set>
+                                      <p:cBhvr>
+                                        <p:cTn id="10" dur="1" fill="hold">
+                                          <p:stCondLst>
+                                            <p:cond delay="0"/>
+                                          </p:stCondLst>
+                                        </p:cTn>
+                                        <p:tgtEl>
+                                          <p:spTgt spid="8">
+                                            <p:txEl>
+                                              <p:pRg st="1" end="1"/>
+                                            </p:txEl>
+                                          </p:spTgt>
+                                        </p:tgtEl>
+                                        <p:attrNameLst>
+                                          <p:attrName>style.visibility</p:attrName>
+                                        </p:attrNameLst>
+                                      </p:cBhvr>
+                                      <p:to>
+                                        <p:strVal val="visible"/>
+                                      </p:to>
+                                    </p:set>
+                                  </p:childTnLst>
+                                </p:cTn>
+                              </p:par>
+                            </p:childTnLst>
+                          </p:cTn>
+                        </p:par>
+                      </p:childTnLst>
+                    </p:cTn>
+                  </p:par>
+                  <p:par>
+                    <p:cTn id="11" fill="hold">
+                      <p:stCondLst>
+                        <p:cond delay="indefinite"/>
+                      </p:stCondLst>
+                      <p:childTnLst>
+                        <p:par>
+                          <p:cTn id="12" fill="hold">
+                            <p:stCondLst>
+                              <p:cond delay="0"/>
+                            </p:stCondLst>
+                            <p:childTnLst>
+                              <p:par>
+                                <p:cTn id="13" presetID="1" presetClass="entr" presetSubtype="0" fill="hold" grpId="0" nodeType="clickEffect">
+                                  <p:stCondLst>
+                                    <p:cond delay="0"/>
+                                  </p:stCondLst>
+                                  <p:childTnLst>
+                                    <p:set>
+                                      <p:cBhvr>
+                                        <p:cTn id="14" dur="1" fill="hold">
+                                          <p:stCondLst>
+                                            <p:cond delay="0"/>
+                                          </p:stCondLst>
+                                        </p:cTn>
+                                        <p:tgtEl>
+                                          <p:spTgt spid="8">
+                                            <p:txEl>
+                                              <p:pRg st="2" end="2"/>
+                                            </p:txEl>
+                                          </p:spTgt>
+                                        </p:tgtEl>
+                                        <p:attrNameLst>
+                                          <p:attrName>style.visibility</p:attrName>
+                                        </p:attrNameLst>
+                                      </p:cBhvr>
+                                      <p:to>
+                                        <p:strVal val="visible"/>
+                                      </p:to>
+                                    </p:set>
+                                  </p:childTnLst>
+                                </p:cTn>
+                              </p:par>
+                            </p:childTnLst>
+                          </p:cTn>
+                        </p:par>
+                      </p:childTnLst>
+                    </p:cTn>
+                  </p:par>
+                </p:childTnLst>
+              </p:cTn>
+              <p:prevCondLst>
+                <p:cond evt="onPrev" delay="0">
+                  <p:tgtEl>
+                    <p:sldTgt/>
+                  </p:tgtEl>
+                </p:cond>
+              </p:prevCondLst>
+              <p:nextCondLst>
+                <p:cond evt="onNext" delay="0">
+                  <p:tgtEl>
+                    <p:sldTgt/>
+                  </p:tgtEl>
+                </p:cond>
+              </p:nextCondLst>
+            </p:seq>
+          </p:childTnLst>
+        </p:cTn>
       </p:par>
     </p:tnLst>
+    <p:bldLst>
+      <p:bldP spid="8" grpId="0" build="p"/>
+    </p:bldLst>
   </p:timing>
 </p:sld>
 </file>
@@ -10891,7 +11749,6 @@
               <a:rPr lang="en-US" dirty="0"/>
               <a:t>Implementation Plan</a:t>
             </a:r>
-            <a:endParaRPr lang="en-US" dirty="0"/>
           </a:p>
         </p:txBody>
       </p:sp>
@@ -10971,6 +11828,235 @@
   <p:clrMapOvr>
     <a:masterClrMapping/>
   </p:clrMapOvr>
+  <p:timing>
+    <p:tnLst>
+      <p:par>
+        <p:cTn id="1" dur="indefinite" restart="never" nodeType="tmRoot">
+          <p:childTnLst>
+            <p:seq concurrent="1" nextAc="seek">
+              <p:cTn id="2" dur="indefinite" nodeType="mainSeq">
+                <p:childTnLst>
+                  <p:par>
+                    <p:cTn id="3" fill="hold">
+                      <p:stCondLst>
+                        <p:cond delay="indefinite"/>
+                      </p:stCondLst>
+                      <p:childTnLst>
+                        <p:par>
+                          <p:cTn id="4" fill="hold">
+                            <p:stCondLst>
+                              <p:cond delay="0"/>
+                            </p:stCondLst>
+                            <p:childTnLst>
+                              <p:par>
+                                <p:cTn id="5" presetID="1" presetClass="entr" presetSubtype="0" fill="hold" grpId="0" nodeType="clickEffect">
+                                  <p:stCondLst>
+                                    <p:cond delay="0"/>
+                                  </p:stCondLst>
+                                  <p:childTnLst>
+                                    <p:set>
+                                      <p:cBhvr>
+                                        <p:cTn id="6" dur="1" fill="hold">
+                                          <p:stCondLst>
+                                            <p:cond delay="0"/>
+                                          </p:stCondLst>
+                                        </p:cTn>
+                                        <p:tgtEl>
+                                          <p:spTgt spid="8">
+                                            <p:txEl>
+                                              <p:pRg st="0" end="0"/>
+                                            </p:txEl>
+                                          </p:spTgt>
+                                        </p:tgtEl>
+                                        <p:attrNameLst>
+                                          <p:attrName>style.visibility</p:attrName>
+                                        </p:attrNameLst>
+                                      </p:cBhvr>
+                                      <p:to>
+                                        <p:strVal val="visible"/>
+                                      </p:to>
+                                    </p:set>
+                                  </p:childTnLst>
+                                </p:cTn>
+                              </p:par>
+                            </p:childTnLst>
+                          </p:cTn>
+                        </p:par>
+                      </p:childTnLst>
+                    </p:cTn>
+                  </p:par>
+                  <p:par>
+                    <p:cTn id="7" fill="hold">
+                      <p:stCondLst>
+                        <p:cond delay="indefinite"/>
+                      </p:stCondLst>
+                      <p:childTnLst>
+                        <p:par>
+                          <p:cTn id="8" fill="hold">
+                            <p:stCondLst>
+                              <p:cond delay="0"/>
+                            </p:stCondLst>
+                            <p:childTnLst>
+                              <p:par>
+                                <p:cTn id="9" presetID="1" presetClass="entr" presetSubtype="0" fill="hold" grpId="0" nodeType="clickEffect">
+                                  <p:stCondLst>
+                                    <p:cond delay="0"/>
+                                  </p:stCondLst>
+                                  <p:childTnLst>
+                                    <p:set>
+                                      <p:cBhvr>
+                                        <p:cTn id="10" dur="1" fill="hold">
+                                          <p:stCondLst>
+                                            <p:cond delay="0"/>
+                                          </p:stCondLst>
+                                        </p:cTn>
+                                        <p:tgtEl>
+                                          <p:spTgt spid="8">
+                                            <p:txEl>
+                                              <p:pRg st="1" end="1"/>
+                                            </p:txEl>
+                                          </p:spTgt>
+                                        </p:tgtEl>
+                                        <p:attrNameLst>
+                                          <p:attrName>style.visibility</p:attrName>
+                                        </p:attrNameLst>
+                                      </p:cBhvr>
+                                      <p:to>
+                                        <p:strVal val="visible"/>
+                                      </p:to>
+                                    </p:set>
+                                  </p:childTnLst>
+                                </p:cTn>
+                              </p:par>
+                            </p:childTnLst>
+                          </p:cTn>
+                        </p:par>
+                      </p:childTnLst>
+                    </p:cTn>
+                  </p:par>
+                  <p:par>
+                    <p:cTn id="11" fill="hold">
+                      <p:stCondLst>
+                        <p:cond delay="indefinite"/>
+                      </p:stCondLst>
+                      <p:childTnLst>
+                        <p:par>
+                          <p:cTn id="12" fill="hold">
+                            <p:stCondLst>
+                              <p:cond delay="0"/>
+                            </p:stCondLst>
+                            <p:childTnLst>
+                              <p:par>
+                                <p:cTn id="13" presetID="1" presetClass="entr" presetSubtype="0" fill="hold" grpId="0" nodeType="clickEffect">
+                                  <p:stCondLst>
+                                    <p:cond delay="0"/>
+                                  </p:stCondLst>
+                                  <p:childTnLst>
+                                    <p:set>
+                                      <p:cBhvr>
+                                        <p:cTn id="14" dur="1" fill="hold">
+                                          <p:stCondLst>
+                                            <p:cond delay="0"/>
+                                          </p:stCondLst>
+                                        </p:cTn>
+                                        <p:tgtEl>
+                                          <p:spTgt spid="8">
+                                            <p:txEl>
+                                              <p:pRg st="2" end="2"/>
+                                            </p:txEl>
+                                          </p:spTgt>
+                                        </p:tgtEl>
+                                        <p:attrNameLst>
+                                          <p:attrName>style.visibility</p:attrName>
+                                        </p:attrNameLst>
+                                      </p:cBhvr>
+                                      <p:to>
+                                        <p:strVal val="visible"/>
+                                      </p:to>
+                                    </p:set>
+                                  </p:childTnLst>
+                                </p:cTn>
+                              </p:par>
+                            </p:childTnLst>
+                          </p:cTn>
+                        </p:par>
+                      </p:childTnLst>
+                    </p:cTn>
+                  </p:par>
+                  <p:par>
+                    <p:cTn id="15" fill="hold">
+                      <p:stCondLst>
+                        <p:cond delay="indefinite"/>
+                      </p:stCondLst>
+                      <p:childTnLst>
+                        <p:par>
+                          <p:cTn id="16" fill="hold">
+                            <p:stCondLst>
+                              <p:cond delay="0"/>
+                            </p:stCondLst>
+                            <p:childTnLst>
+                              <p:par>
+                                <p:cTn id="17" presetID="1" presetClass="entr" presetSubtype="0" fill="hold" grpId="0" nodeType="clickEffect">
+                                  <p:stCondLst>
+                                    <p:cond delay="0"/>
+                                  </p:stCondLst>
+                                  <p:childTnLst>
+                                    <p:set>
+                                      <p:cBhvr>
+                                        <p:cTn id="18" dur="1" fill="hold">
+                                          <p:stCondLst>
+                                            <p:cond delay="0"/>
+                                          </p:stCondLst>
+                                        </p:cTn>
+                                        <p:tgtEl>
+                                          <p:spTgt spid="8">
+                                            <p:txEl>
+                                              <p:pRg st="3" end="3"/>
+                                            </p:txEl>
+                                          </p:spTgt>
+                                        </p:tgtEl>
+                                        <p:attrNameLst>
+                                          <p:attrName>style.visibility</p:attrName>
+                                        </p:attrNameLst>
+                                      </p:cBhvr>
+                                      <p:to>
+                                        <p:strVal val="visible"/>
+                                      </p:to>
+                                    </p:set>
+                                  </p:childTnLst>
+                                </p:cTn>
+                              </p:par>
+                            </p:childTnLst>
+                          </p:cTn>
+                        </p:par>
+                      </p:childTnLst>
+                    </p:cTn>
+                  </p:par>
+                </p:childTnLst>
+              </p:cTn>
+              <p:prevCondLst>
+                <p:cond evt="onPrev" delay="0">
+                  <p:tgtEl>
+                    <p:sldTgt/>
+                  </p:tgtEl>
+                </p:cond>
+              </p:prevCondLst>
+              <p:nextCondLst>
+                <p:cond evt="onNext" delay="0">
+                  <p:tgtEl>
+                    <p:sldTgt/>
+                  </p:tgtEl>
+                </p:cond>
+              </p:nextCondLst>
+            </p:seq>
+          </p:childTnLst>
+        </p:cTn>
+      </p:par>
+    </p:tnLst>
+    <p:bldLst>
+      <p:bldP spid="8" grpId="0" build="p"/>
+    </p:bldLst>
+  </p:timing>
 </p:sld>
 </file>
 
@@ -11038,33 +12124,49 @@
             </a:pPr>
             <a:r>
               <a:rPr lang="en-US" dirty="0"/>
-              <a:t>It is applicable for</a:t>
-            </a:r>
-          </a:p>
-          <a:p>
-            <a:pPr marL="662940" lvl="2" indent="-457200">
+              <a:t>It is applicable </a:t>
+            </a:r>
+            <a:r>
+              <a:rPr lang="en-US" dirty="0" smtClean="0"/>
+              <a:t>for</a:t>
+            </a:r>
+          </a:p>
+          <a:p>
+            <a:pPr marL="461772" lvl="1" indent="-457200">
               <a:lnSpc>
                 <a:spcPct val="150000"/>
               </a:lnSpc>
-              <a:buFont typeface="Arial" panose="020B0604020202020204" pitchFamily="34" charset="0"/>
-              <a:buChar char="•"/>
+              <a:buFont typeface="+mj-lt"/>
+              <a:buAutoNum type="arabicPeriod"/>
             </a:pPr>
             <a:r>
+              <a:rPr lang="en-US" dirty="0" smtClean="0"/>
+              <a:t>Military </a:t>
+            </a:r>
+            <a:r>
               <a:rPr lang="en-US" dirty="0"/>
-              <a:t>Military personnel on field</a:t>
-            </a:r>
-          </a:p>
-          <a:p>
-            <a:pPr marL="662940" lvl="2" indent="-457200">
+              <a:t>personnel on </a:t>
+            </a:r>
+            <a:r>
+              <a:rPr lang="en-US" dirty="0" smtClean="0"/>
+              <a:t>field</a:t>
+            </a:r>
+          </a:p>
+          <a:p>
+            <a:pPr marL="461772" lvl="1" indent="-457200">
               <a:lnSpc>
                 <a:spcPct val="150000"/>
               </a:lnSpc>
-              <a:buFont typeface="Arial" panose="020B0604020202020204" pitchFamily="34" charset="0"/>
-              <a:buChar char="•"/>
+              <a:buFont typeface="+mj-lt"/>
+              <a:buAutoNum type="arabicPeriod"/>
             </a:pPr>
             <a:r>
+              <a:rPr lang="en-US" dirty="0" smtClean="0"/>
+              <a:t>Government </a:t>
+            </a:r>
+            <a:r>
               <a:rPr lang="en-US" dirty="0"/>
-              <a:t>Government official in office</a:t>
+              <a:t>official in office</a:t>
             </a:r>
           </a:p>
           <a:p>
@@ -11189,6 +12291,333 @@
   <p:clrMapOvr>
     <a:masterClrMapping/>
   </p:clrMapOvr>
+  <p:timing>
+    <p:tnLst>
+      <p:par>
+        <p:cTn id="1" dur="indefinite" restart="never" nodeType="tmRoot">
+          <p:childTnLst>
+            <p:seq concurrent="1" nextAc="seek">
+              <p:cTn id="2" dur="indefinite" nodeType="mainSeq">
+                <p:childTnLst>
+                  <p:par>
+                    <p:cTn id="3" fill="hold">
+                      <p:stCondLst>
+                        <p:cond delay="indefinite"/>
+                      </p:stCondLst>
+                      <p:childTnLst>
+                        <p:par>
+                          <p:cTn id="4" fill="hold">
+                            <p:stCondLst>
+                              <p:cond delay="0"/>
+                            </p:stCondLst>
+                            <p:childTnLst>
+                              <p:par>
+                                <p:cTn id="5" presetID="1" presetClass="entr" presetSubtype="0" fill="hold" grpId="0" nodeType="clickEffect">
+                                  <p:stCondLst>
+                                    <p:cond delay="0"/>
+                                  </p:stCondLst>
+                                  <p:childTnLst>
+                                    <p:set>
+                                      <p:cBhvr>
+                                        <p:cTn id="6" dur="1" fill="hold">
+                                          <p:stCondLst>
+                                            <p:cond delay="0"/>
+                                          </p:stCondLst>
+                                        </p:cTn>
+                                        <p:tgtEl>
+                                          <p:spTgt spid="8">
+                                            <p:txEl>
+                                              <p:pRg st="0" end="0"/>
+                                            </p:txEl>
+                                          </p:spTgt>
+                                        </p:tgtEl>
+                                        <p:attrNameLst>
+                                          <p:attrName>style.visibility</p:attrName>
+                                        </p:attrNameLst>
+                                      </p:cBhvr>
+                                      <p:to>
+                                        <p:strVal val="visible"/>
+                                      </p:to>
+                                    </p:set>
+                                  </p:childTnLst>
+                                </p:cTn>
+                              </p:par>
+                            </p:childTnLst>
+                          </p:cTn>
+                        </p:par>
+                      </p:childTnLst>
+                    </p:cTn>
+                  </p:par>
+                  <p:par>
+                    <p:cTn id="7" fill="hold">
+                      <p:stCondLst>
+                        <p:cond delay="indefinite"/>
+                      </p:stCondLst>
+                      <p:childTnLst>
+                        <p:par>
+                          <p:cTn id="8" fill="hold">
+                            <p:stCondLst>
+                              <p:cond delay="0"/>
+                            </p:stCondLst>
+                            <p:childTnLst>
+                              <p:par>
+                                <p:cTn id="9" presetID="1" presetClass="entr" presetSubtype="0" fill="hold" grpId="0" nodeType="clickEffect">
+                                  <p:stCondLst>
+                                    <p:cond delay="0"/>
+                                  </p:stCondLst>
+                                  <p:childTnLst>
+                                    <p:set>
+                                      <p:cBhvr>
+                                        <p:cTn id="10" dur="1" fill="hold">
+                                          <p:stCondLst>
+                                            <p:cond delay="0"/>
+                                          </p:stCondLst>
+                                        </p:cTn>
+                                        <p:tgtEl>
+                                          <p:spTgt spid="8">
+                                            <p:txEl>
+                                              <p:pRg st="1" end="1"/>
+                                            </p:txEl>
+                                          </p:spTgt>
+                                        </p:tgtEl>
+                                        <p:attrNameLst>
+                                          <p:attrName>style.visibility</p:attrName>
+                                        </p:attrNameLst>
+                                      </p:cBhvr>
+                                      <p:to>
+                                        <p:strVal val="visible"/>
+                                      </p:to>
+                                    </p:set>
+                                  </p:childTnLst>
+                                </p:cTn>
+                              </p:par>
+                            </p:childTnLst>
+                          </p:cTn>
+                        </p:par>
+                      </p:childTnLst>
+                    </p:cTn>
+                  </p:par>
+                  <p:par>
+                    <p:cTn id="11" fill="hold">
+                      <p:stCondLst>
+                        <p:cond delay="indefinite"/>
+                      </p:stCondLst>
+                      <p:childTnLst>
+                        <p:par>
+                          <p:cTn id="12" fill="hold">
+                            <p:stCondLst>
+                              <p:cond delay="0"/>
+                            </p:stCondLst>
+                            <p:childTnLst>
+                              <p:par>
+                                <p:cTn id="13" presetID="1" presetClass="entr" presetSubtype="0" fill="hold" grpId="0" nodeType="clickEffect">
+                                  <p:stCondLst>
+                                    <p:cond delay="0"/>
+                                  </p:stCondLst>
+                                  <p:childTnLst>
+                                    <p:set>
+                                      <p:cBhvr>
+                                        <p:cTn id="14" dur="1" fill="hold">
+                                          <p:stCondLst>
+                                            <p:cond delay="0"/>
+                                          </p:stCondLst>
+                                        </p:cTn>
+                                        <p:tgtEl>
+                                          <p:spTgt spid="8">
+                                            <p:txEl>
+                                              <p:pRg st="2" end="2"/>
+                                            </p:txEl>
+                                          </p:spTgt>
+                                        </p:tgtEl>
+                                        <p:attrNameLst>
+                                          <p:attrName>style.visibility</p:attrName>
+                                        </p:attrNameLst>
+                                      </p:cBhvr>
+                                      <p:to>
+                                        <p:strVal val="visible"/>
+                                      </p:to>
+                                    </p:set>
+                                  </p:childTnLst>
+                                </p:cTn>
+                              </p:par>
+                            </p:childTnLst>
+                          </p:cTn>
+                        </p:par>
+                      </p:childTnLst>
+                    </p:cTn>
+                  </p:par>
+                  <p:par>
+                    <p:cTn id="15" fill="hold">
+                      <p:stCondLst>
+                        <p:cond delay="indefinite"/>
+                      </p:stCondLst>
+                      <p:childTnLst>
+                        <p:par>
+                          <p:cTn id="16" fill="hold">
+                            <p:stCondLst>
+                              <p:cond delay="0"/>
+                            </p:stCondLst>
+                            <p:childTnLst>
+                              <p:par>
+                                <p:cTn id="17" presetID="1" presetClass="entr" presetSubtype="0" fill="hold" grpId="0" nodeType="clickEffect">
+                                  <p:stCondLst>
+                                    <p:cond delay="0"/>
+                                  </p:stCondLst>
+                                  <p:childTnLst>
+                                    <p:set>
+                                      <p:cBhvr>
+                                        <p:cTn id="18" dur="1" fill="hold">
+                                          <p:stCondLst>
+                                            <p:cond delay="0"/>
+                                          </p:stCondLst>
+                                        </p:cTn>
+                                        <p:tgtEl>
+                                          <p:spTgt spid="8">
+                                            <p:txEl>
+                                              <p:pRg st="3" end="3"/>
+                                            </p:txEl>
+                                          </p:spTgt>
+                                        </p:tgtEl>
+                                        <p:attrNameLst>
+                                          <p:attrName>style.visibility</p:attrName>
+                                        </p:attrNameLst>
+                                      </p:cBhvr>
+                                      <p:to>
+                                        <p:strVal val="visible"/>
+                                      </p:to>
+                                    </p:set>
+                                  </p:childTnLst>
+                                </p:cTn>
+                              </p:par>
+                            </p:childTnLst>
+                          </p:cTn>
+                        </p:par>
+                      </p:childTnLst>
+                    </p:cTn>
+                  </p:par>
+                  <p:par>
+                    <p:cTn id="19" fill="hold">
+                      <p:stCondLst>
+                        <p:cond delay="indefinite"/>
+                      </p:stCondLst>
+                      <p:childTnLst>
+                        <p:par>
+                          <p:cTn id="20" fill="hold">
+                            <p:stCondLst>
+                              <p:cond delay="0"/>
+                            </p:stCondLst>
+                            <p:childTnLst>
+                              <p:par>
+                                <p:cTn id="21" presetID="1" presetClass="entr" presetSubtype="0" fill="hold" grpId="0" nodeType="clickEffect">
+                                  <p:stCondLst>
+                                    <p:cond delay="0"/>
+                                  </p:stCondLst>
+                                  <p:childTnLst>
+                                    <p:set>
+                                      <p:cBhvr>
+                                        <p:cTn id="22" dur="1" fill="hold">
+                                          <p:stCondLst>
+                                            <p:cond delay="0"/>
+                                          </p:stCondLst>
+                                        </p:cTn>
+                                        <p:tgtEl>
+                                          <p:spTgt spid="8">
+                                            <p:txEl>
+                                              <p:pRg st="4" end="4"/>
+                                            </p:txEl>
+                                          </p:spTgt>
+                                        </p:tgtEl>
+                                        <p:attrNameLst>
+                                          <p:attrName>style.visibility</p:attrName>
+                                        </p:attrNameLst>
+                                      </p:cBhvr>
+                                      <p:to>
+                                        <p:strVal val="visible"/>
+                                      </p:to>
+                                    </p:set>
+                                  </p:childTnLst>
+                                </p:cTn>
+                              </p:par>
+                            </p:childTnLst>
+                          </p:cTn>
+                        </p:par>
+                      </p:childTnLst>
+                    </p:cTn>
+                  </p:par>
+                  <p:par>
+                    <p:cTn id="23" fill="hold">
+                      <p:stCondLst>
+                        <p:cond delay="indefinite"/>
+                      </p:stCondLst>
+                      <p:childTnLst>
+                        <p:par>
+                          <p:cTn id="24" fill="hold">
+                            <p:stCondLst>
+                              <p:cond delay="0"/>
+                            </p:stCondLst>
+                            <p:childTnLst>
+                              <p:par>
+                                <p:cTn id="25" presetID="1" presetClass="entr" presetSubtype="0" fill="hold" grpId="0" nodeType="clickEffect">
+                                  <p:stCondLst>
+                                    <p:cond delay="0"/>
+                                  </p:stCondLst>
+                                  <p:childTnLst>
+                                    <p:set>
+                                      <p:cBhvr>
+                                        <p:cTn id="26" dur="1" fill="hold">
+                                          <p:stCondLst>
+                                            <p:cond delay="0"/>
+                                          </p:stCondLst>
+                                        </p:cTn>
+                                        <p:tgtEl>
+                                          <p:spTgt spid="8">
+                                            <p:txEl>
+                                              <p:pRg st="5" end="5"/>
+                                            </p:txEl>
+                                          </p:spTgt>
+                                        </p:tgtEl>
+                                        <p:attrNameLst>
+                                          <p:attrName>style.visibility</p:attrName>
+                                        </p:attrNameLst>
+                                      </p:cBhvr>
+                                      <p:to>
+                                        <p:strVal val="visible"/>
+                                      </p:to>
+                                    </p:set>
+                                  </p:childTnLst>
+                                </p:cTn>
+                              </p:par>
+                            </p:childTnLst>
+                          </p:cTn>
+                        </p:par>
+                      </p:childTnLst>
+                    </p:cTn>
+                  </p:par>
+                </p:childTnLst>
+              </p:cTn>
+              <p:prevCondLst>
+                <p:cond evt="onPrev" delay="0">
+                  <p:tgtEl>
+                    <p:sldTgt/>
+                  </p:tgtEl>
+                </p:cond>
+              </p:prevCondLst>
+              <p:nextCondLst>
+                <p:cond evt="onNext" delay="0">
+                  <p:tgtEl>
+                    <p:sldTgt/>
+                  </p:tgtEl>
+                </p:cond>
+              </p:nextCondLst>
+            </p:seq>
+          </p:childTnLst>
+        </p:cTn>
+      </p:par>
+    </p:tnLst>
+    <p:bldLst>
+      <p:bldP spid="8" grpId="0" build="p"/>
+    </p:bldLst>
+  </p:timing>
 </p:sld>
 </file>
 
@@ -11334,6 +12763,81 @@
   <p:clrMapOvr>
     <a:masterClrMapping/>
   </p:clrMapOvr>
+  <p:timing>
+    <p:tnLst>
+      <p:par>
+        <p:cTn id="1" dur="indefinite" restart="never" nodeType="tmRoot">
+          <p:childTnLst>
+            <p:seq concurrent="1" nextAc="seek">
+              <p:cTn id="2" dur="indefinite" nodeType="mainSeq">
+                <p:childTnLst>
+                  <p:par>
+                    <p:cTn id="3" fill="hold">
+                      <p:stCondLst>
+                        <p:cond delay="indefinite"/>
+                      </p:stCondLst>
+                      <p:childTnLst>
+                        <p:par>
+                          <p:cTn id="4" fill="hold">
+                            <p:stCondLst>
+                              <p:cond delay="0"/>
+                            </p:stCondLst>
+                            <p:childTnLst>
+                              <p:par>
+                                <p:cTn id="5" presetID="1" presetClass="entr" presetSubtype="0" fill="hold" nodeType="clickEffect">
+                                  <p:stCondLst>
+                                    <p:cond delay="0"/>
+                                  </p:stCondLst>
+                                  <p:childTnLst>
+                                    <p:set>
+                                      <p:cBhvr>
+                                        <p:cTn id="6" dur="1" fill="hold">
+                                          <p:stCondLst>
+                                            <p:cond delay="0"/>
+                                          </p:stCondLst>
+                                        </p:cTn>
+                                        <p:tgtEl>
+                                          <p:spTgt spid="7"/>
+                                        </p:tgtEl>
+                                        <p:attrNameLst>
+                                          <p:attrName>style.visibility</p:attrName>
+                                        </p:attrNameLst>
+                                      </p:cBhvr>
+                                      <p:to>
+                                        <p:strVal val="visible"/>
+                                      </p:to>
+                                    </p:set>
+                                  </p:childTnLst>
+                                </p:cTn>
+                              </p:par>
+                            </p:childTnLst>
+                          </p:cTn>
+                        </p:par>
+                      </p:childTnLst>
+                    </p:cTn>
+                  </p:par>
+                </p:childTnLst>
+              </p:cTn>
+              <p:prevCondLst>
+                <p:cond evt="onPrev" delay="0">
+                  <p:tgtEl>
+                    <p:sldTgt/>
+                  </p:tgtEl>
+                </p:cond>
+              </p:prevCondLst>
+              <p:nextCondLst>
+                <p:cond evt="onNext" delay="0">
+                  <p:tgtEl>
+                    <p:sldTgt/>
+                  </p:tgtEl>
+                </p:cond>
+              </p:nextCondLst>
+            </p:seq>
+          </p:childTnLst>
+        </p:cTn>
+      </p:par>
+    </p:tnLst>
+  </p:timing>
 </p:sld>
 </file>
 
@@ -11453,7 +12957,7 @@
             <p:ph idx="1"/>
             <p:extLst>
               <p:ext uri="{D42A27DB-BD31-4B8C-83A1-F6EECF244321}">
-                <p14:modId xmlns:p14="http://schemas.microsoft.com/office/powerpoint/2010/main" val="3481216639"/>
+                <p14:modId xmlns:p14="http://schemas.microsoft.com/office/powerpoint/2010/main" val="3546418352"/>
               </p:ext>
             </p:extLst>
           </p:nvPr>
@@ -11478,6 +12982,13 @@
   <p:clrMapOvr>
     <a:masterClrMapping/>
   </p:clrMapOvr>
+  <p:timing>
+    <p:tnLst>
+      <p:par>
+        <p:cTn id="1" dur="indefinite" restart="never" nodeType="tmRoot"/>
+      </p:par>
+    </p:tnLst>
+  </p:timing>
 </p:sld>
 </file>
 
@@ -11727,6 +13238,187 @@
   <p:clrMapOvr>
     <a:masterClrMapping/>
   </p:clrMapOvr>
+  <p:timing>
+    <p:tnLst>
+      <p:par>
+        <p:cTn id="1" dur="indefinite" restart="never" nodeType="tmRoot">
+          <p:childTnLst>
+            <p:seq concurrent="1" nextAc="seek">
+              <p:cTn id="2" dur="indefinite" nodeType="mainSeq">
+                <p:childTnLst>
+                  <p:par>
+                    <p:cTn id="3" fill="hold">
+                      <p:stCondLst>
+                        <p:cond delay="indefinite"/>
+                      </p:stCondLst>
+                      <p:childTnLst>
+                        <p:par>
+                          <p:cTn id="4" fill="hold">
+                            <p:stCondLst>
+                              <p:cond delay="0"/>
+                            </p:stCondLst>
+                            <p:childTnLst>
+                              <p:par>
+                                <p:cTn id="5" presetID="1" presetClass="entr" presetSubtype="0" fill="hold" grpId="0" nodeType="clickEffect">
+                                  <p:stCondLst>
+                                    <p:cond delay="0"/>
+                                  </p:stCondLst>
+                                  <p:childTnLst>
+                                    <p:set>
+                                      <p:cBhvr>
+                                        <p:cTn id="6" dur="1" fill="hold">
+                                          <p:stCondLst>
+                                            <p:cond delay="0"/>
+                                          </p:stCondLst>
+                                        </p:cTn>
+                                        <p:tgtEl>
+                                          <p:spTgt spid="10">
+                                            <p:txEl>
+                                              <p:pRg st="0" end="0"/>
+                                            </p:txEl>
+                                          </p:spTgt>
+                                        </p:tgtEl>
+                                        <p:attrNameLst>
+                                          <p:attrName>style.visibility</p:attrName>
+                                        </p:attrNameLst>
+                                      </p:cBhvr>
+                                      <p:to>
+                                        <p:strVal val="visible"/>
+                                      </p:to>
+                                    </p:set>
+                                  </p:childTnLst>
+                                </p:cTn>
+                              </p:par>
+                            </p:childTnLst>
+                          </p:cTn>
+                        </p:par>
+                      </p:childTnLst>
+                    </p:cTn>
+                  </p:par>
+                  <p:par>
+                    <p:cTn id="7" fill="hold">
+                      <p:stCondLst>
+                        <p:cond delay="indefinite"/>
+                      </p:stCondLst>
+                      <p:childTnLst>
+                        <p:par>
+                          <p:cTn id="8" fill="hold">
+                            <p:stCondLst>
+                              <p:cond delay="0"/>
+                            </p:stCondLst>
+                            <p:childTnLst>
+                              <p:par>
+                                <p:cTn id="9" presetID="1" presetClass="entr" presetSubtype="0" fill="hold" grpId="0" nodeType="clickEffect">
+                                  <p:stCondLst>
+                                    <p:cond delay="0"/>
+                                  </p:stCondLst>
+                                  <p:childTnLst>
+                                    <p:set>
+                                      <p:cBhvr>
+                                        <p:cTn id="10" dur="1" fill="hold">
+                                          <p:stCondLst>
+                                            <p:cond delay="0"/>
+                                          </p:stCondLst>
+                                        </p:cTn>
+                                        <p:tgtEl>
+                                          <p:spTgt spid="12">
+                                            <p:txEl>
+                                              <p:pRg st="0" end="0"/>
+                                            </p:txEl>
+                                          </p:spTgt>
+                                        </p:tgtEl>
+                                        <p:attrNameLst>
+                                          <p:attrName>style.visibility</p:attrName>
+                                        </p:attrNameLst>
+                                      </p:cBhvr>
+                                      <p:to>
+                                        <p:strVal val="visible"/>
+                                      </p:to>
+                                    </p:set>
+                                  </p:childTnLst>
+                                </p:cTn>
+                              </p:par>
+                            </p:childTnLst>
+                          </p:cTn>
+                        </p:par>
+                      </p:childTnLst>
+                    </p:cTn>
+                  </p:par>
+                  <p:par>
+                    <p:cTn id="11" fill="hold">
+                      <p:stCondLst>
+                        <p:cond delay="indefinite"/>
+                      </p:stCondLst>
+                      <p:childTnLst>
+                        <p:par>
+                          <p:cTn id="12" fill="hold">
+                            <p:stCondLst>
+                              <p:cond delay="0"/>
+                            </p:stCondLst>
+                            <p:childTnLst>
+                              <p:par>
+                                <p:cTn id="13" presetID="1" presetClass="entr" presetSubtype="0" fill="hold" grpId="0" nodeType="clickEffect">
+                                  <p:stCondLst>
+                                    <p:cond delay="0"/>
+                                  </p:stCondLst>
+                                  <p:childTnLst>
+                                    <p:set>
+                                      <p:cBhvr>
+                                        <p:cTn id="14" dur="1" fill="hold">
+                                          <p:stCondLst>
+                                            <p:cond delay="0"/>
+                                          </p:stCondLst>
+                                        </p:cTn>
+                                        <p:tgtEl>
+                                          <p:spTgt spid="12">
+                                            <p:txEl>
+                                              <p:pRg st="1" end="1"/>
+                                            </p:txEl>
+                                          </p:spTgt>
+                                        </p:tgtEl>
+                                        <p:attrNameLst>
+                                          <p:attrName>style.visibility</p:attrName>
+                                        </p:attrNameLst>
+                                      </p:cBhvr>
+                                      <p:to>
+                                        <p:strVal val="visible"/>
+                                      </p:to>
+                                    </p:set>
+                                  </p:childTnLst>
+                                </p:cTn>
+                              </p:par>
+                            </p:childTnLst>
+                          </p:cTn>
+                        </p:par>
+                      </p:childTnLst>
+                    </p:cTn>
+                  </p:par>
+                </p:childTnLst>
+              </p:cTn>
+              <p:prevCondLst>
+                <p:cond evt="onPrev" delay="0">
+                  <p:tgtEl>
+                    <p:sldTgt/>
+                  </p:tgtEl>
+                </p:cond>
+              </p:prevCondLst>
+              <p:nextCondLst>
+                <p:cond evt="onNext" delay="0">
+                  <p:tgtEl>
+                    <p:sldTgt/>
+                  </p:tgtEl>
+                </p:cond>
+              </p:nextCondLst>
+            </p:seq>
+          </p:childTnLst>
+        </p:cTn>
+      </p:par>
+    </p:tnLst>
+    <p:bldLst>
+      <p:bldP spid="10" grpId="0" build="p"/>
+      <p:bldP spid="12" grpId="0" build="p"/>
+    </p:bldLst>
+  </p:timing>
 </p:sld>
 </file>
 
@@ -11986,6 +13678,236 @@
   <p:clrMapOvr>
     <a:masterClrMapping/>
   </p:clrMapOvr>
+  <p:timing>
+    <p:tnLst>
+      <p:par>
+        <p:cTn id="1" dur="indefinite" restart="never" nodeType="tmRoot">
+          <p:childTnLst>
+            <p:seq concurrent="1" nextAc="seek">
+              <p:cTn id="2" dur="indefinite" nodeType="mainSeq">
+                <p:childTnLst>
+                  <p:par>
+                    <p:cTn id="3" fill="hold">
+                      <p:stCondLst>
+                        <p:cond delay="indefinite"/>
+                      </p:stCondLst>
+                      <p:childTnLst>
+                        <p:par>
+                          <p:cTn id="4" fill="hold">
+                            <p:stCondLst>
+                              <p:cond delay="0"/>
+                            </p:stCondLst>
+                            <p:childTnLst>
+                              <p:par>
+                                <p:cTn id="5" presetID="1" presetClass="entr" presetSubtype="0" fill="hold" grpId="0" nodeType="clickEffect">
+                                  <p:stCondLst>
+                                    <p:cond delay="0"/>
+                                  </p:stCondLst>
+                                  <p:childTnLst>
+                                    <p:set>
+                                      <p:cBhvr>
+                                        <p:cTn id="6" dur="1" fill="hold">
+                                          <p:stCondLst>
+                                            <p:cond delay="0"/>
+                                          </p:stCondLst>
+                                        </p:cTn>
+                                        <p:tgtEl>
+                                          <p:spTgt spid="4">
+                                            <p:txEl>
+                                              <p:pRg st="0" end="0"/>
+                                            </p:txEl>
+                                          </p:spTgt>
+                                        </p:tgtEl>
+                                        <p:attrNameLst>
+                                          <p:attrName>style.visibility</p:attrName>
+                                        </p:attrNameLst>
+                                      </p:cBhvr>
+                                      <p:to>
+                                        <p:strVal val="visible"/>
+                                      </p:to>
+                                    </p:set>
+                                  </p:childTnLst>
+                                </p:cTn>
+                              </p:par>
+                            </p:childTnLst>
+                          </p:cTn>
+                        </p:par>
+                      </p:childTnLst>
+                    </p:cTn>
+                  </p:par>
+                  <p:par>
+                    <p:cTn id="7" fill="hold">
+                      <p:stCondLst>
+                        <p:cond delay="indefinite"/>
+                      </p:stCondLst>
+                      <p:childTnLst>
+                        <p:par>
+                          <p:cTn id="8" fill="hold">
+                            <p:stCondLst>
+                              <p:cond delay="0"/>
+                            </p:stCondLst>
+                            <p:childTnLst>
+                              <p:par>
+                                <p:cTn id="9" presetID="1" presetClass="entr" presetSubtype="0" fill="hold" grpId="0" nodeType="clickEffect">
+                                  <p:stCondLst>
+                                    <p:cond delay="0"/>
+                                  </p:stCondLst>
+                                  <p:childTnLst>
+                                    <p:set>
+                                      <p:cBhvr>
+                                        <p:cTn id="10" dur="1" fill="hold">
+                                          <p:stCondLst>
+                                            <p:cond delay="0"/>
+                                          </p:stCondLst>
+                                        </p:cTn>
+                                        <p:tgtEl>
+                                          <p:spTgt spid="4">
+                                            <p:txEl>
+                                              <p:pRg st="1" end="1"/>
+                                            </p:txEl>
+                                          </p:spTgt>
+                                        </p:tgtEl>
+                                        <p:attrNameLst>
+                                          <p:attrName>style.visibility</p:attrName>
+                                        </p:attrNameLst>
+                                      </p:cBhvr>
+                                      <p:to>
+                                        <p:strVal val="visible"/>
+                                      </p:to>
+                                    </p:set>
+                                  </p:childTnLst>
+                                </p:cTn>
+                              </p:par>
+                            </p:childTnLst>
+                          </p:cTn>
+                        </p:par>
+                      </p:childTnLst>
+                    </p:cTn>
+                  </p:par>
+                  <p:par>
+                    <p:cTn id="11" fill="hold">
+                      <p:stCondLst>
+                        <p:cond delay="indefinite"/>
+                      </p:stCondLst>
+                      <p:childTnLst>
+                        <p:par>
+                          <p:cTn id="12" fill="hold">
+                            <p:stCondLst>
+                              <p:cond delay="0"/>
+                            </p:stCondLst>
+                            <p:childTnLst>
+                              <p:par>
+                                <p:cTn id="13" presetID="1" presetClass="entr" presetSubtype="0" fill="hold" grpId="0" nodeType="clickEffect">
+                                  <p:stCondLst>
+                                    <p:cond delay="0"/>
+                                  </p:stCondLst>
+                                  <p:childTnLst>
+                                    <p:set>
+                                      <p:cBhvr>
+                                        <p:cTn id="14" dur="1" fill="hold">
+                                          <p:stCondLst>
+                                            <p:cond delay="0"/>
+                                          </p:stCondLst>
+                                        </p:cTn>
+                                        <p:tgtEl>
+                                          <p:spTgt spid="6">
+                                            <p:txEl>
+                                              <p:pRg st="0" end="0"/>
+                                            </p:txEl>
+                                          </p:spTgt>
+                                        </p:tgtEl>
+                                        <p:attrNameLst>
+                                          <p:attrName>style.visibility</p:attrName>
+                                        </p:attrNameLst>
+                                      </p:cBhvr>
+                                      <p:to>
+                                        <p:strVal val="visible"/>
+                                      </p:to>
+                                    </p:set>
+                                  </p:childTnLst>
+                                </p:cTn>
+                              </p:par>
+                            </p:childTnLst>
+                          </p:cTn>
+                        </p:par>
+                      </p:childTnLst>
+                    </p:cTn>
+                  </p:par>
+                  <p:par>
+                    <p:cTn id="15" fill="hold">
+                      <p:stCondLst>
+                        <p:cond delay="indefinite"/>
+                      </p:stCondLst>
+                      <p:childTnLst>
+                        <p:par>
+                          <p:cTn id="16" fill="hold">
+                            <p:stCondLst>
+                              <p:cond delay="0"/>
+                            </p:stCondLst>
+                            <p:childTnLst>
+                              <p:par>
+                                <p:cTn id="17" presetID="1" presetClass="entr" presetSubtype="0" fill="hold" grpId="0" nodeType="clickEffect">
+                                  <p:stCondLst>
+                                    <p:cond delay="0"/>
+                                  </p:stCondLst>
+                                  <p:childTnLst>
+                                    <p:set>
+                                      <p:cBhvr>
+                                        <p:cTn id="18" dur="1" fill="hold">
+                                          <p:stCondLst>
+                                            <p:cond delay="0"/>
+                                          </p:stCondLst>
+                                        </p:cTn>
+                                        <p:tgtEl>
+                                          <p:spTgt spid="6">
+                                            <p:txEl>
+                                              <p:pRg st="1" end="1"/>
+                                            </p:txEl>
+                                          </p:spTgt>
+                                        </p:tgtEl>
+                                        <p:attrNameLst>
+                                          <p:attrName>style.visibility</p:attrName>
+                                        </p:attrNameLst>
+                                      </p:cBhvr>
+                                      <p:to>
+                                        <p:strVal val="visible"/>
+                                      </p:to>
+                                    </p:set>
+                                  </p:childTnLst>
+                                </p:cTn>
+                              </p:par>
+                            </p:childTnLst>
+                          </p:cTn>
+                        </p:par>
+                      </p:childTnLst>
+                    </p:cTn>
+                  </p:par>
+                </p:childTnLst>
+              </p:cTn>
+              <p:prevCondLst>
+                <p:cond evt="onPrev" delay="0">
+                  <p:tgtEl>
+                    <p:sldTgt/>
+                  </p:tgtEl>
+                </p:cond>
+              </p:prevCondLst>
+              <p:nextCondLst>
+                <p:cond evt="onNext" delay="0">
+                  <p:tgtEl>
+                    <p:sldTgt/>
+                  </p:tgtEl>
+                </p:cond>
+              </p:nextCondLst>
+            </p:seq>
+          </p:childTnLst>
+        </p:cTn>
+      </p:par>
+    </p:tnLst>
+    <p:bldLst>
+      <p:bldP spid="4" grpId="0" build="p"/>
+      <p:bldP spid="6" grpId="0" build="p"/>
+    </p:bldLst>
+  </p:timing>
 </p:sld>
 </file>
 
@@ -12239,6 +14161,236 @@
   <p:clrMapOvr>
     <a:masterClrMapping/>
   </p:clrMapOvr>
+  <p:timing>
+    <p:tnLst>
+      <p:par>
+        <p:cTn id="1" dur="indefinite" restart="never" nodeType="tmRoot">
+          <p:childTnLst>
+            <p:seq concurrent="1" nextAc="seek">
+              <p:cTn id="2" dur="indefinite" nodeType="mainSeq">
+                <p:childTnLst>
+                  <p:par>
+                    <p:cTn id="3" fill="hold">
+                      <p:stCondLst>
+                        <p:cond delay="indefinite"/>
+                      </p:stCondLst>
+                      <p:childTnLst>
+                        <p:par>
+                          <p:cTn id="4" fill="hold">
+                            <p:stCondLst>
+                              <p:cond delay="0"/>
+                            </p:stCondLst>
+                            <p:childTnLst>
+                              <p:par>
+                                <p:cTn id="5" presetID="1" presetClass="entr" presetSubtype="0" fill="hold" grpId="0" nodeType="clickEffect">
+                                  <p:stCondLst>
+                                    <p:cond delay="0"/>
+                                  </p:stCondLst>
+                                  <p:childTnLst>
+                                    <p:set>
+                                      <p:cBhvr>
+                                        <p:cTn id="6" dur="1" fill="hold">
+                                          <p:stCondLst>
+                                            <p:cond delay="0"/>
+                                          </p:stCondLst>
+                                        </p:cTn>
+                                        <p:tgtEl>
+                                          <p:spTgt spid="4">
+                                            <p:txEl>
+                                              <p:pRg st="0" end="0"/>
+                                            </p:txEl>
+                                          </p:spTgt>
+                                        </p:tgtEl>
+                                        <p:attrNameLst>
+                                          <p:attrName>style.visibility</p:attrName>
+                                        </p:attrNameLst>
+                                      </p:cBhvr>
+                                      <p:to>
+                                        <p:strVal val="visible"/>
+                                      </p:to>
+                                    </p:set>
+                                  </p:childTnLst>
+                                </p:cTn>
+                              </p:par>
+                            </p:childTnLst>
+                          </p:cTn>
+                        </p:par>
+                      </p:childTnLst>
+                    </p:cTn>
+                  </p:par>
+                  <p:par>
+                    <p:cTn id="7" fill="hold">
+                      <p:stCondLst>
+                        <p:cond delay="indefinite"/>
+                      </p:stCondLst>
+                      <p:childTnLst>
+                        <p:par>
+                          <p:cTn id="8" fill="hold">
+                            <p:stCondLst>
+                              <p:cond delay="0"/>
+                            </p:stCondLst>
+                            <p:childTnLst>
+                              <p:par>
+                                <p:cTn id="9" presetID="1" presetClass="entr" presetSubtype="0" fill="hold" grpId="0" nodeType="clickEffect">
+                                  <p:stCondLst>
+                                    <p:cond delay="0"/>
+                                  </p:stCondLst>
+                                  <p:childTnLst>
+                                    <p:set>
+                                      <p:cBhvr>
+                                        <p:cTn id="10" dur="1" fill="hold">
+                                          <p:stCondLst>
+                                            <p:cond delay="0"/>
+                                          </p:stCondLst>
+                                        </p:cTn>
+                                        <p:tgtEl>
+                                          <p:spTgt spid="4">
+                                            <p:txEl>
+                                              <p:pRg st="1" end="1"/>
+                                            </p:txEl>
+                                          </p:spTgt>
+                                        </p:tgtEl>
+                                        <p:attrNameLst>
+                                          <p:attrName>style.visibility</p:attrName>
+                                        </p:attrNameLst>
+                                      </p:cBhvr>
+                                      <p:to>
+                                        <p:strVal val="visible"/>
+                                      </p:to>
+                                    </p:set>
+                                  </p:childTnLst>
+                                </p:cTn>
+                              </p:par>
+                            </p:childTnLst>
+                          </p:cTn>
+                        </p:par>
+                      </p:childTnLst>
+                    </p:cTn>
+                  </p:par>
+                  <p:par>
+                    <p:cTn id="11" fill="hold">
+                      <p:stCondLst>
+                        <p:cond delay="indefinite"/>
+                      </p:stCondLst>
+                      <p:childTnLst>
+                        <p:par>
+                          <p:cTn id="12" fill="hold">
+                            <p:stCondLst>
+                              <p:cond delay="0"/>
+                            </p:stCondLst>
+                            <p:childTnLst>
+                              <p:par>
+                                <p:cTn id="13" presetID="1" presetClass="entr" presetSubtype="0" fill="hold" grpId="0" nodeType="clickEffect">
+                                  <p:stCondLst>
+                                    <p:cond delay="0"/>
+                                  </p:stCondLst>
+                                  <p:childTnLst>
+                                    <p:set>
+                                      <p:cBhvr>
+                                        <p:cTn id="14" dur="1" fill="hold">
+                                          <p:stCondLst>
+                                            <p:cond delay="0"/>
+                                          </p:stCondLst>
+                                        </p:cTn>
+                                        <p:tgtEl>
+                                          <p:spTgt spid="6">
+                                            <p:txEl>
+                                              <p:pRg st="0" end="0"/>
+                                            </p:txEl>
+                                          </p:spTgt>
+                                        </p:tgtEl>
+                                        <p:attrNameLst>
+                                          <p:attrName>style.visibility</p:attrName>
+                                        </p:attrNameLst>
+                                      </p:cBhvr>
+                                      <p:to>
+                                        <p:strVal val="visible"/>
+                                      </p:to>
+                                    </p:set>
+                                  </p:childTnLst>
+                                </p:cTn>
+                              </p:par>
+                            </p:childTnLst>
+                          </p:cTn>
+                        </p:par>
+                      </p:childTnLst>
+                    </p:cTn>
+                  </p:par>
+                  <p:par>
+                    <p:cTn id="15" fill="hold">
+                      <p:stCondLst>
+                        <p:cond delay="indefinite"/>
+                      </p:stCondLst>
+                      <p:childTnLst>
+                        <p:par>
+                          <p:cTn id="16" fill="hold">
+                            <p:stCondLst>
+                              <p:cond delay="0"/>
+                            </p:stCondLst>
+                            <p:childTnLst>
+                              <p:par>
+                                <p:cTn id="17" presetID="1" presetClass="entr" presetSubtype="0" fill="hold" grpId="0" nodeType="clickEffect">
+                                  <p:stCondLst>
+                                    <p:cond delay="0"/>
+                                  </p:stCondLst>
+                                  <p:childTnLst>
+                                    <p:set>
+                                      <p:cBhvr>
+                                        <p:cTn id="18" dur="1" fill="hold">
+                                          <p:stCondLst>
+                                            <p:cond delay="0"/>
+                                          </p:stCondLst>
+                                        </p:cTn>
+                                        <p:tgtEl>
+                                          <p:spTgt spid="6">
+                                            <p:txEl>
+                                              <p:pRg st="1" end="1"/>
+                                            </p:txEl>
+                                          </p:spTgt>
+                                        </p:tgtEl>
+                                        <p:attrNameLst>
+                                          <p:attrName>style.visibility</p:attrName>
+                                        </p:attrNameLst>
+                                      </p:cBhvr>
+                                      <p:to>
+                                        <p:strVal val="visible"/>
+                                      </p:to>
+                                    </p:set>
+                                  </p:childTnLst>
+                                </p:cTn>
+                              </p:par>
+                            </p:childTnLst>
+                          </p:cTn>
+                        </p:par>
+                      </p:childTnLst>
+                    </p:cTn>
+                  </p:par>
+                </p:childTnLst>
+              </p:cTn>
+              <p:prevCondLst>
+                <p:cond evt="onPrev" delay="0">
+                  <p:tgtEl>
+                    <p:sldTgt/>
+                  </p:tgtEl>
+                </p:cond>
+              </p:prevCondLst>
+              <p:nextCondLst>
+                <p:cond evt="onNext" delay="0">
+                  <p:tgtEl>
+                    <p:sldTgt/>
+                  </p:tgtEl>
+                </p:cond>
+              </p:nextCondLst>
+            </p:seq>
+          </p:childTnLst>
+        </p:cTn>
+      </p:par>
+    </p:tnLst>
+    <p:bldLst>
+      <p:bldP spid="4" grpId="0" build="p"/>
+      <p:bldP spid="6" grpId="0" build="p"/>
+    </p:bldLst>
+  </p:timing>
 </p:sld>
 </file>
 
